--- a/1 - Programming Logic/Theoretical Lessons/Programming_Logic_1.pptx
+++ b/1 - Programming Logic/Theoretical Lessons/Programming_Logic_1.pptx
@@ -126,7 +126,7 @@
   </p:defaultTextStyle>
   <p:extLst>
     <p:ext uri="{EFAFB233-063F-42B5-8137-9DF3F51BA10A}">
-      <p15:sldGuideLst xmlns:p15="http://schemas.microsoft.com/office/powerpoint/2012/main">
+      <p15:sldGuideLst xmlns:p15="http://schemas.microsoft.com/office/powerpoint/2012/main" xmlns="">
         <p15:guide id="1" orient="horz" pos="2352" userDrawn="1">
           <p15:clr>
             <a:srgbClr val="A4A3A4"/>
@@ -160,7 +160,7 @@
       </p15:sldGuideLst>
     </p:ext>
     <p:ext uri="{2D200454-40CA-4A62-9FC3-DE9A4176ACB9}">
-      <p15:notesGuideLst xmlns:p15="http://schemas.microsoft.com/office/powerpoint/2012/main"/>
+      <p15:notesGuideLst xmlns:p15="http://schemas.microsoft.com/office/powerpoint/2012/main" xmlns=""/>
     </p:ext>
   </p:extLst>
 </p:presentation>
@@ -193,7 +193,7 @@
           <p:cNvPr id="2" name="Header Placeholder 1">
             <a:extLst>
               <a:ext uri="{FF2B5EF4-FFF2-40B4-BE49-F238E27FC236}">
-                <a16:creationId xmlns:a16="http://schemas.microsoft.com/office/drawing/2014/main" id="{4465D3EB-CBDD-4100-83B7-3BFE0A8F4119}"/>
+                <a16:creationId xmlns:a16="http://schemas.microsoft.com/office/drawing/2014/main" xmlns="" id="{4465D3EB-CBDD-4100-83B7-3BFE0A8F4119}"/>
               </a:ext>
             </a:extLst>
           </p:cNvPr>
@@ -230,7 +230,7 @@
           <p:cNvPr id="3" name="Date Placeholder 2">
             <a:extLst>
               <a:ext uri="{FF2B5EF4-FFF2-40B4-BE49-F238E27FC236}">
-                <a16:creationId xmlns:a16="http://schemas.microsoft.com/office/drawing/2014/main" id="{C72B4595-A79D-4567-9FE1-DCF31A42B3D9}"/>
+                <a16:creationId xmlns:a16="http://schemas.microsoft.com/office/drawing/2014/main" xmlns="" id="{C72B4595-A79D-4567-9FE1-DCF31A42B3D9}"/>
               </a:ext>
             </a:extLst>
           </p:cNvPr>
@@ -260,7 +260,8 @@
           <a:p>
             <a:fld id="{6E5C0719-993D-42E1-80ED-8F01056F36C2}" type="datetimeFigureOut">
               <a:rPr lang="en-US" smtClean="0"/>
-              <a:t>8/24/2019</a:t>
+              <a:pPr/>
+              <a:t>9/20/2019</a:t>
             </a:fld>
             <a:endParaRPr lang="en-US" dirty="0"/>
           </a:p>
@@ -271,7 +272,7 @@
           <p:cNvPr id="4" name="Footer Placeholder 3">
             <a:extLst>
               <a:ext uri="{FF2B5EF4-FFF2-40B4-BE49-F238E27FC236}">
-                <a16:creationId xmlns:a16="http://schemas.microsoft.com/office/drawing/2014/main" id="{850E452F-E862-4273-987C-980229E53203}"/>
+                <a16:creationId xmlns:a16="http://schemas.microsoft.com/office/drawing/2014/main" xmlns="" id="{850E452F-E862-4273-987C-980229E53203}"/>
               </a:ext>
             </a:extLst>
           </p:cNvPr>
@@ -308,7 +309,7 @@
           <p:cNvPr id="5" name="Slide Number Placeholder 4">
             <a:extLst>
               <a:ext uri="{FF2B5EF4-FFF2-40B4-BE49-F238E27FC236}">
-                <a16:creationId xmlns:a16="http://schemas.microsoft.com/office/drawing/2014/main" id="{C3EE394C-9AD7-48EA-AB0F-18032A3E097A}"/>
+                <a16:creationId xmlns:a16="http://schemas.microsoft.com/office/drawing/2014/main" xmlns="" id="{C3EE394C-9AD7-48EA-AB0F-18032A3E097A}"/>
               </a:ext>
             </a:extLst>
           </p:cNvPr>
@@ -338,7 +339,8 @@
           <a:p>
             <a:fld id="{B00421AD-3AC0-48CB-8727-BB447FD2264E}" type="slidenum">
               <a:rPr lang="en-US" smtClean="0"/>
-              <a:t>‹#›</a:t>
+              <a:pPr/>
+              <a:t>‹nº›</a:t>
             </a:fld>
             <a:endParaRPr lang="en-US" dirty="0"/>
           </a:p>
@@ -347,7 +349,7 @@
     </p:spTree>
     <p:extLst>
       <p:ext uri="{BB962C8B-B14F-4D97-AF65-F5344CB8AC3E}">
-        <p14:creationId xmlns:p14="http://schemas.microsoft.com/office/powerpoint/2010/main" val="3268159826"/>
+        <p14:creationId xmlns:p14="http://schemas.microsoft.com/office/powerpoint/2010/main" xmlns="" val="3268159826"/>
       </p:ext>
     </p:extLst>
   </p:cSld>
@@ -437,7 +439,8 @@
           <a:p>
             <a:fld id="{21D3BC9C-6C58-464F-B94E-FD73C5FB016E}" type="datetimeFigureOut">
               <a:rPr lang="en-US" smtClean="0"/>
-              <a:t>8/24/2019</a:t>
+              <a:pPr/>
+              <a:t>9/20/2019</a:t>
             </a:fld>
             <a:endParaRPr lang="en-US" dirty="0"/>
           </a:p>
@@ -595,7 +598,8 @@
           <a:p>
             <a:fld id="{BE60DC36-8EFA-4378-9855-E019C55AC472}" type="slidenum">
               <a:rPr lang="en-US" smtClean="0"/>
-              <a:t>‹#›</a:t>
+              <a:pPr/>
+              <a:t>‹nº›</a:t>
             </a:fld>
             <a:endParaRPr lang="en-US" dirty="0"/>
           </a:p>
@@ -604,7 +608,7 @@
     </p:spTree>
     <p:extLst>
       <p:ext uri="{BB962C8B-B14F-4D97-AF65-F5344CB8AC3E}">
-        <p14:creationId xmlns:p14="http://schemas.microsoft.com/office/powerpoint/2010/main" val="1877053634"/>
+        <p14:creationId xmlns:p14="http://schemas.microsoft.com/office/powerpoint/2010/main" xmlns="" val="1877053634"/>
       </p:ext>
     </p:extLst>
   </p:cSld>
@@ -769,6 +773,7 @@
           <a:p>
             <a:fld id="{BE60DC36-8EFA-4378-9855-E019C55AC472}" type="slidenum">
               <a:rPr lang="en-US" smtClean="0"/>
+              <a:pPr/>
               <a:t>1</a:t>
             </a:fld>
             <a:endParaRPr lang="en-US" dirty="0"/>
@@ -778,7 +783,7 @@
     </p:spTree>
     <p:extLst>
       <p:ext uri="{BB962C8B-B14F-4D97-AF65-F5344CB8AC3E}">
-        <p14:creationId xmlns:p14="http://schemas.microsoft.com/office/powerpoint/2010/main" val="1773527890"/>
+        <p14:creationId xmlns:p14="http://schemas.microsoft.com/office/powerpoint/2010/main" xmlns="" val="1773527890"/>
       </p:ext>
     </p:extLst>
   </p:cSld>
@@ -885,6 +890,7 @@
           <a:p>
             <a:fld id="{BE60DC36-8EFA-4378-9855-E019C55AC472}" type="slidenum">
               <a:rPr lang="en-US" smtClean="0"/>
+              <a:pPr/>
               <a:t>10</a:t>
             </a:fld>
             <a:endParaRPr lang="en-US" dirty="0"/>
@@ -894,7 +900,7 @@
     </p:spTree>
     <p:extLst>
       <p:ext uri="{BB962C8B-B14F-4D97-AF65-F5344CB8AC3E}">
-        <p14:creationId xmlns:p14="http://schemas.microsoft.com/office/powerpoint/2010/main" val="1588370248"/>
+        <p14:creationId xmlns:p14="http://schemas.microsoft.com/office/powerpoint/2010/main" xmlns="" val="1588370248"/>
       </p:ext>
     </p:extLst>
   </p:cSld>
@@ -1073,6 +1079,7 @@
           <a:p>
             <a:fld id="{BE60DC36-8EFA-4378-9855-E019C55AC472}" type="slidenum">
               <a:rPr lang="en-US" smtClean="0"/>
+              <a:pPr/>
               <a:t>11</a:t>
             </a:fld>
             <a:endParaRPr lang="en-US" dirty="0"/>
@@ -1082,7 +1089,7 @@
     </p:spTree>
     <p:extLst>
       <p:ext uri="{BB962C8B-B14F-4D97-AF65-F5344CB8AC3E}">
-        <p14:creationId xmlns:p14="http://schemas.microsoft.com/office/powerpoint/2010/main" val="464594577"/>
+        <p14:creationId xmlns:p14="http://schemas.microsoft.com/office/powerpoint/2010/main" xmlns="" val="464594577"/>
       </p:ext>
     </p:extLst>
   </p:cSld>
@@ -1161,6 +1168,7 @@
           <a:p>
             <a:fld id="{BE60DC36-8EFA-4378-9855-E019C55AC472}" type="slidenum">
               <a:rPr lang="en-US" smtClean="0"/>
+              <a:pPr/>
               <a:t>12</a:t>
             </a:fld>
             <a:endParaRPr lang="en-US" dirty="0"/>
@@ -1170,7 +1178,7 @@
     </p:spTree>
     <p:extLst>
       <p:ext uri="{BB962C8B-B14F-4D97-AF65-F5344CB8AC3E}">
-        <p14:creationId xmlns:p14="http://schemas.microsoft.com/office/powerpoint/2010/main" val="4077061245"/>
+        <p14:creationId xmlns:p14="http://schemas.microsoft.com/office/powerpoint/2010/main" xmlns="" val="4077061245"/>
       </p:ext>
     </p:extLst>
   </p:cSld>
@@ -1234,7 +1242,11 @@
             </a:r>
             <a:r>
               <a:rPr lang="en-US" dirty="0" smtClean="0"/>
-              <a:t> é compost</a:t>
+              <a:t> é </a:t>
+            </a:r>
+            <a:r>
+              <a:rPr lang="en-US" dirty="0" err="1" smtClean="0"/>
+              <a:t>composto</a:t>
             </a:r>
             <a:r>
               <a:rPr lang="en-US" baseline="0" dirty="0" smtClean="0"/>
@@ -1289,7 +1301,15 @@
             </a:r>
             <a:r>
               <a:rPr lang="en-US" baseline="0" dirty="0" smtClean="0"/>
-              <a:t> é compost </a:t>
+              <a:t> é </a:t>
+            </a:r>
+            <a:r>
+              <a:rPr lang="en-US" baseline="0" dirty="0" err="1" smtClean="0"/>
+              <a:t>composto</a:t>
+            </a:r>
+            <a:r>
+              <a:rPr lang="en-US" baseline="0" dirty="0" smtClean="0"/>
+              <a:t> </a:t>
             </a:r>
             <a:r>
               <a:rPr lang="en-US" baseline="0" dirty="0" err="1" smtClean="0"/>
@@ -1352,6 +1372,7 @@
           <a:p>
             <a:fld id="{BE60DC36-8EFA-4378-9855-E019C55AC472}" type="slidenum">
               <a:rPr lang="en-US" smtClean="0"/>
+              <a:pPr/>
               <a:t>13</a:t>
             </a:fld>
             <a:endParaRPr lang="en-US" dirty="0"/>
@@ -1361,7 +1382,7 @@
     </p:spTree>
     <p:extLst>
       <p:ext uri="{BB962C8B-B14F-4D97-AF65-F5344CB8AC3E}">
-        <p14:creationId xmlns:p14="http://schemas.microsoft.com/office/powerpoint/2010/main" val="1628163612"/>
+        <p14:creationId xmlns:p14="http://schemas.microsoft.com/office/powerpoint/2010/main" xmlns="" val="1628163612"/>
       </p:ext>
     </p:extLst>
   </p:cSld>
@@ -1444,6 +1465,7 @@
           <a:p>
             <a:fld id="{BE60DC36-8EFA-4378-9855-E019C55AC472}" type="slidenum">
               <a:rPr lang="en-US" smtClean="0"/>
+              <a:pPr/>
               <a:t>14</a:t>
             </a:fld>
             <a:endParaRPr lang="en-US" dirty="0"/>
@@ -1453,7 +1475,7 @@
     </p:spTree>
     <p:extLst>
       <p:ext uri="{BB962C8B-B14F-4D97-AF65-F5344CB8AC3E}">
-        <p14:creationId xmlns:p14="http://schemas.microsoft.com/office/powerpoint/2010/main" val="891997934"/>
+        <p14:creationId xmlns:p14="http://schemas.microsoft.com/office/powerpoint/2010/main" xmlns="" val="891997934"/>
       </p:ext>
     </p:extLst>
   </p:cSld>
@@ -1528,6 +1550,7 @@
           <a:p>
             <a:fld id="{BE60DC36-8EFA-4378-9855-E019C55AC472}" type="slidenum">
               <a:rPr lang="en-US" smtClean="0"/>
+              <a:pPr/>
               <a:t>15</a:t>
             </a:fld>
             <a:endParaRPr lang="en-US" dirty="0"/>
@@ -1537,7 +1560,7 @@
     </p:spTree>
     <p:extLst>
       <p:ext uri="{BB962C8B-B14F-4D97-AF65-F5344CB8AC3E}">
-        <p14:creationId xmlns:p14="http://schemas.microsoft.com/office/powerpoint/2010/main" val="396791894"/>
+        <p14:creationId xmlns:p14="http://schemas.microsoft.com/office/powerpoint/2010/main" xmlns="" val="396791894"/>
       </p:ext>
     </p:extLst>
   </p:cSld>
@@ -1757,19 +1780,11 @@
             </a:r>
             <a:r>
               <a:rPr lang="en-US" baseline="0" dirty="0" smtClean="0"/>
-              <a:t> </a:t>
+              <a:t> ser </a:t>
             </a:r>
             <a:r>
               <a:rPr lang="en-US" baseline="0" dirty="0" err="1" smtClean="0"/>
-              <a:t>ser</a:t>
-            </a:r>
-            <a:r>
-              <a:rPr lang="en-US" baseline="0" dirty="0" smtClean="0"/>
-              <a:t> </a:t>
-            </a:r>
-            <a:r>
-              <a:rPr lang="en-US" baseline="0" dirty="0" err="1" smtClean="0"/>
-              <a:t>ámbigua</a:t>
+              <a:t>ambígua</a:t>
             </a:r>
             <a:r>
               <a:rPr lang="en-US" baseline="0" dirty="0" smtClean="0"/>
@@ -1852,6 +1867,7 @@
           <a:p>
             <a:fld id="{BE60DC36-8EFA-4378-9855-E019C55AC472}" type="slidenum">
               <a:rPr lang="en-US" smtClean="0"/>
+              <a:pPr/>
               <a:t>2</a:t>
             </a:fld>
             <a:endParaRPr lang="en-US" dirty="0"/>
@@ -1861,7 +1877,7 @@
     </p:spTree>
     <p:extLst>
       <p:ext uri="{BB962C8B-B14F-4D97-AF65-F5344CB8AC3E}">
-        <p14:creationId xmlns:p14="http://schemas.microsoft.com/office/powerpoint/2010/main" val="4219766555"/>
+        <p14:creationId xmlns:p14="http://schemas.microsoft.com/office/powerpoint/2010/main" xmlns="" val="4219766555"/>
       </p:ext>
     </p:extLst>
   </p:cSld>
@@ -1925,7 +1941,11 @@
             </a:r>
             <a:r>
               <a:rPr lang="en-US" dirty="0" smtClean="0"/>
-              <a:t> é compost</a:t>
+              <a:t> é </a:t>
+            </a:r>
+            <a:r>
+              <a:rPr lang="en-US" dirty="0" err="1" smtClean="0"/>
+              <a:t>composto</a:t>
             </a:r>
             <a:r>
               <a:rPr lang="en-US" baseline="0" dirty="0" smtClean="0"/>
@@ -1980,7 +2000,15 @@
             </a:r>
             <a:r>
               <a:rPr lang="en-US" baseline="0" dirty="0" smtClean="0"/>
-              <a:t> é compost </a:t>
+              <a:t> é </a:t>
+            </a:r>
+            <a:r>
+              <a:rPr lang="en-US" baseline="0" dirty="0" err="1" smtClean="0"/>
+              <a:t>composto</a:t>
+            </a:r>
+            <a:r>
+              <a:rPr lang="en-US" baseline="0" dirty="0" smtClean="0"/>
+              <a:t> </a:t>
             </a:r>
             <a:r>
               <a:rPr lang="en-US" baseline="0" dirty="0" err="1" smtClean="0"/>
@@ -2043,6 +2071,7 @@
           <a:p>
             <a:fld id="{BE60DC36-8EFA-4378-9855-E019C55AC472}" type="slidenum">
               <a:rPr lang="en-US" smtClean="0"/>
+              <a:pPr/>
               <a:t>3</a:t>
             </a:fld>
             <a:endParaRPr lang="en-US" dirty="0"/>
@@ -2052,7 +2081,7 @@
     </p:spTree>
     <p:extLst>
       <p:ext uri="{BB962C8B-B14F-4D97-AF65-F5344CB8AC3E}">
-        <p14:creationId xmlns:p14="http://schemas.microsoft.com/office/powerpoint/2010/main" val="3810662917"/>
+        <p14:creationId xmlns:p14="http://schemas.microsoft.com/office/powerpoint/2010/main" xmlns="" val="3810662917"/>
       </p:ext>
     </p:extLst>
   </p:cSld>
@@ -2200,11 +2229,19 @@
             </a:r>
             <a:r>
               <a:rPr lang="en-US" baseline="0" dirty="0" smtClean="0"/>
-              <a:t> que </a:t>
+              <a:t> </a:t>
             </a:r>
             <a:r>
               <a:rPr lang="en-US" baseline="0" dirty="0" err="1" smtClean="0"/>
-              <a:t>mãças</a:t>
+              <a:t>que</a:t>
+            </a:r>
+            <a:r>
+              <a:rPr lang="en-US" baseline="0" dirty="0" smtClean="0"/>
+              <a:t> </a:t>
+            </a:r>
+            <a:r>
+              <a:rPr lang="en-US" baseline="0" dirty="0" err="1" smtClean="0"/>
+              <a:t>maçãs</a:t>
             </a:r>
             <a:r>
               <a:rPr lang="en-US" baseline="0" dirty="0" smtClean="0"/>
@@ -2322,6 +2359,7 @@
           <a:p>
             <a:fld id="{BE60DC36-8EFA-4378-9855-E019C55AC472}" type="slidenum">
               <a:rPr lang="en-US" smtClean="0"/>
+              <a:pPr/>
               <a:t>4</a:t>
             </a:fld>
             <a:endParaRPr lang="en-US" dirty="0"/>
@@ -2331,7 +2369,7 @@
     </p:spTree>
     <p:extLst>
       <p:ext uri="{BB962C8B-B14F-4D97-AF65-F5344CB8AC3E}">
-        <p14:creationId xmlns:p14="http://schemas.microsoft.com/office/powerpoint/2010/main" val="3590712186"/>
+        <p14:creationId xmlns:p14="http://schemas.microsoft.com/office/powerpoint/2010/main" xmlns="" val="3590712186"/>
       </p:ext>
     </p:extLst>
   </p:cSld>
@@ -2422,6 +2460,7 @@
           <a:p>
             <a:fld id="{BE60DC36-8EFA-4378-9855-E019C55AC472}" type="slidenum">
               <a:rPr lang="en-US" smtClean="0"/>
+              <a:pPr/>
               <a:t>5</a:t>
             </a:fld>
             <a:endParaRPr lang="en-US" dirty="0"/>
@@ -2431,7 +2470,7 @@
     </p:spTree>
     <p:extLst>
       <p:ext uri="{BB962C8B-B14F-4D97-AF65-F5344CB8AC3E}">
-        <p14:creationId xmlns:p14="http://schemas.microsoft.com/office/powerpoint/2010/main" val="1173684673"/>
+        <p14:creationId xmlns:p14="http://schemas.microsoft.com/office/powerpoint/2010/main" xmlns="" val="1173684673"/>
       </p:ext>
     </p:extLst>
   </p:cSld>
@@ -2507,7 +2546,15 @@
             </a:r>
             <a:r>
               <a:rPr lang="en-US" baseline="0" dirty="0" smtClean="0"/>
-              <a:t> components </a:t>
+              <a:t> </a:t>
+            </a:r>
+            <a:r>
+              <a:rPr lang="en-US" baseline="0" dirty="0" err="1" smtClean="0"/>
+              <a:t>componentes</a:t>
+            </a:r>
+            <a:r>
+              <a:rPr lang="en-US" baseline="0" dirty="0" smtClean="0"/>
+              <a:t> </a:t>
             </a:r>
             <a:r>
               <a:rPr lang="en-US" baseline="0" dirty="0" err="1" smtClean="0"/>
@@ -2580,6 +2627,7 @@
           <a:p>
             <a:fld id="{BE60DC36-8EFA-4378-9855-E019C55AC472}" type="slidenum">
               <a:rPr lang="en-US" smtClean="0"/>
+              <a:pPr/>
               <a:t>6</a:t>
             </a:fld>
             <a:endParaRPr lang="en-US" dirty="0"/>
@@ -2589,7 +2637,7 @@
     </p:spTree>
     <p:extLst>
       <p:ext uri="{BB962C8B-B14F-4D97-AF65-F5344CB8AC3E}">
-        <p14:creationId xmlns:p14="http://schemas.microsoft.com/office/powerpoint/2010/main" val="1800177103"/>
+        <p14:creationId xmlns:p14="http://schemas.microsoft.com/office/powerpoint/2010/main" xmlns="" val="1800177103"/>
       </p:ext>
     </p:extLst>
   </p:cSld>
@@ -2685,7 +2733,7 @@
             </a:r>
             <a:r>
               <a:rPr lang="en-US" baseline="0" dirty="0" err="1" smtClean="0"/>
-              <a:t>premeissa</a:t>
+              <a:t>premissa</a:t>
             </a:r>
             <a:r>
               <a:rPr lang="en-US" baseline="0" dirty="0" smtClean="0"/>
@@ -2712,6 +2760,7 @@
           <a:p>
             <a:fld id="{BE60DC36-8EFA-4378-9855-E019C55AC472}" type="slidenum">
               <a:rPr lang="en-US" smtClean="0"/>
+              <a:pPr/>
               <a:t>7</a:t>
             </a:fld>
             <a:endParaRPr lang="en-US" dirty="0"/>
@@ -2721,7 +2770,7 @@
     </p:spTree>
     <p:extLst>
       <p:ext uri="{BB962C8B-B14F-4D97-AF65-F5344CB8AC3E}">
-        <p14:creationId xmlns:p14="http://schemas.microsoft.com/office/powerpoint/2010/main" val="4215707790"/>
+        <p14:creationId xmlns:p14="http://schemas.microsoft.com/office/powerpoint/2010/main" xmlns="" val="4215707790"/>
       </p:ext>
     </p:extLst>
   </p:cSld>
@@ -2804,6 +2853,7 @@
           <a:p>
             <a:fld id="{BE60DC36-8EFA-4378-9855-E019C55AC472}" type="slidenum">
               <a:rPr lang="en-US" smtClean="0"/>
+              <a:pPr/>
               <a:t>8</a:t>
             </a:fld>
             <a:endParaRPr lang="en-US" dirty="0"/>
@@ -2813,7 +2863,7 @@
     </p:spTree>
     <p:extLst>
       <p:ext uri="{BB962C8B-B14F-4D97-AF65-F5344CB8AC3E}">
-        <p14:creationId xmlns:p14="http://schemas.microsoft.com/office/powerpoint/2010/main" val="2402564191"/>
+        <p14:creationId xmlns:p14="http://schemas.microsoft.com/office/powerpoint/2010/main" xmlns="" val="2402564191"/>
       </p:ext>
     </p:extLst>
   </p:cSld>
@@ -2944,6 +2994,7 @@
           <a:p>
             <a:fld id="{BE60DC36-8EFA-4378-9855-E019C55AC472}" type="slidenum">
               <a:rPr lang="en-US" smtClean="0"/>
+              <a:pPr/>
               <a:t>9</a:t>
             </a:fld>
             <a:endParaRPr lang="en-US" dirty="0"/>
@@ -2953,7 +3004,7 @@
     </p:spTree>
     <p:extLst>
       <p:ext uri="{BB962C8B-B14F-4D97-AF65-F5344CB8AC3E}">
-        <p14:creationId xmlns:p14="http://schemas.microsoft.com/office/powerpoint/2010/main" val="2787003311"/>
+        <p14:creationId xmlns:p14="http://schemas.microsoft.com/office/powerpoint/2010/main" xmlns="" val="2787003311"/>
       </p:ext>
     </p:extLst>
   </p:cSld>
@@ -2985,7 +3036,7 @@
           <p:cNvPr id="2" name="Title 1">
             <a:extLst>
               <a:ext uri="{FF2B5EF4-FFF2-40B4-BE49-F238E27FC236}">
-                <a16:creationId xmlns:a16="http://schemas.microsoft.com/office/drawing/2014/main" id="{8E0F864C-44C4-4000-952D-01F31BFB3FD3}"/>
+                <a16:creationId xmlns:a16="http://schemas.microsoft.com/office/drawing/2014/main" xmlns="" id="{8E0F864C-44C4-4000-952D-01F31BFB3FD3}"/>
               </a:ext>
             </a:extLst>
           </p:cNvPr>
@@ -3023,7 +3074,7 @@
           <p:cNvPr id="3" name="Subtitle 2">
             <a:extLst>
               <a:ext uri="{FF2B5EF4-FFF2-40B4-BE49-F238E27FC236}">
-                <a16:creationId xmlns:a16="http://schemas.microsoft.com/office/drawing/2014/main" id="{21392E06-C914-467E-9D4F-BD763EDA2DD5}"/>
+                <a16:creationId xmlns:a16="http://schemas.microsoft.com/office/drawing/2014/main" xmlns="" id="{21392E06-C914-467E-9D4F-BD763EDA2DD5}"/>
               </a:ext>
             </a:extLst>
           </p:cNvPr>
@@ -3094,7 +3145,7 @@
           <p:cNvPr id="4" name="Date Placeholder 3">
             <a:extLst>
               <a:ext uri="{FF2B5EF4-FFF2-40B4-BE49-F238E27FC236}">
-                <a16:creationId xmlns:a16="http://schemas.microsoft.com/office/drawing/2014/main" id="{1FBEFBAF-82E9-49AD-B2CF-7D154E024431}"/>
+                <a16:creationId xmlns:a16="http://schemas.microsoft.com/office/drawing/2014/main" xmlns="" id="{1FBEFBAF-82E9-49AD-B2CF-7D154E024431}"/>
               </a:ext>
             </a:extLst>
           </p:cNvPr>
@@ -3112,7 +3163,8 @@
           <a:p>
             <a:fld id="{40DA1498-92C7-4E4B-8045-C9195F453964}" type="datetimeFigureOut">
               <a:rPr lang="en-US" smtClean="0"/>
-              <a:t>8/24/2019</a:t>
+              <a:pPr/>
+              <a:t>9/20/2019</a:t>
             </a:fld>
             <a:endParaRPr lang="en-US" dirty="0"/>
           </a:p>
@@ -3123,7 +3175,7 @@
           <p:cNvPr id="5" name="Footer Placeholder 4">
             <a:extLst>
               <a:ext uri="{FF2B5EF4-FFF2-40B4-BE49-F238E27FC236}">
-                <a16:creationId xmlns:a16="http://schemas.microsoft.com/office/drawing/2014/main" id="{5AD8006A-94B1-44F7-972D-56767EDE3CC3}"/>
+                <a16:creationId xmlns:a16="http://schemas.microsoft.com/office/drawing/2014/main" xmlns="" id="{5AD8006A-94B1-44F7-972D-56767EDE3CC3}"/>
               </a:ext>
             </a:extLst>
           </p:cNvPr>
@@ -3148,7 +3200,7 @@
           <p:cNvPr id="6" name="Slide Number Placeholder 5">
             <a:extLst>
               <a:ext uri="{FF2B5EF4-FFF2-40B4-BE49-F238E27FC236}">
-                <a16:creationId xmlns:a16="http://schemas.microsoft.com/office/drawing/2014/main" id="{F5E7BFAB-D84B-45E1-A0BD-2516AC14F8AC}"/>
+                <a16:creationId xmlns:a16="http://schemas.microsoft.com/office/drawing/2014/main" xmlns="" id="{F5E7BFAB-D84B-45E1-A0BD-2516AC14F8AC}"/>
               </a:ext>
             </a:extLst>
           </p:cNvPr>
@@ -3166,7 +3218,8 @@
           <a:p>
             <a:fld id="{06FEDF93-2BFD-41CA-ABC7-B039102F3792}" type="slidenum">
               <a:rPr lang="en-US" smtClean="0"/>
-              <a:t>‹#›</a:t>
+              <a:pPr/>
+              <a:t>‹nº›</a:t>
             </a:fld>
             <a:endParaRPr lang="en-US" dirty="0"/>
           </a:p>
@@ -3175,7 +3228,7 @@
     </p:spTree>
     <p:extLst>
       <p:ext uri="{BB962C8B-B14F-4D97-AF65-F5344CB8AC3E}">
-        <p14:creationId xmlns:p14="http://schemas.microsoft.com/office/powerpoint/2010/main" val="48564637"/>
+        <p14:creationId xmlns:p14="http://schemas.microsoft.com/office/powerpoint/2010/main" xmlns="" val="48564637"/>
       </p:ext>
     </p:extLst>
   </p:cSld>
@@ -3207,7 +3260,7 @@
           <p:cNvPr id="2" name="Title 1">
             <a:extLst>
               <a:ext uri="{FF2B5EF4-FFF2-40B4-BE49-F238E27FC236}">
-                <a16:creationId xmlns:a16="http://schemas.microsoft.com/office/drawing/2014/main" id="{65F7B869-BFB2-4C20-8AB1-46704BB3D177}"/>
+                <a16:creationId xmlns:a16="http://schemas.microsoft.com/office/drawing/2014/main" xmlns="" id="{65F7B869-BFB2-4C20-8AB1-46704BB3D177}"/>
               </a:ext>
             </a:extLst>
           </p:cNvPr>
@@ -3236,7 +3289,7 @@
           <p:cNvPr id="3" name="Vertical Text Placeholder 2">
             <a:extLst>
               <a:ext uri="{FF2B5EF4-FFF2-40B4-BE49-F238E27FC236}">
-                <a16:creationId xmlns:a16="http://schemas.microsoft.com/office/drawing/2014/main" id="{19F007DB-4F12-4428-9C48-5120DF07046D}"/>
+                <a16:creationId xmlns:a16="http://schemas.microsoft.com/office/drawing/2014/main" xmlns="" id="{19F007DB-4F12-4428-9C48-5120DF07046D}"/>
               </a:ext>
             </a:extLst>
           </p:cNvPr>
@@ -3294,7 +3347,7 @@
           <p:cNvPr id="4" name="Date Placeholder 3">
             <a:extLst>
               <a:ext uri="{FF2B5EF4-FFF2-40B4-BE49-F238E27FC236}">
-                <a16:creationId xmlns:a16="http://schemas.microsoft.com/office/drawing/2014/main" id="{16FFA8DA-0E31-4CA6-BBFC-2467AAD1D30B}"/>
+                <a16:creationId xmlns:a16="http://schemas.microsoft.com/office/drawing/2014/main" xmlns="" id="{16FFA8DA-0E31-4CA6-BBFC-2467AAD1D30B}"/>
               </a:ext>
             </a:extLst>
           </p:cNvPr>
@@ -3312,7 +3365,8 @@
           <a:p>
             <a:fld id="{40DA1498-92C7-4E4B-8045-C9195F453964}" type="datetimeFigureOut">
               <a:rPr lang="en-US" smtClean="0"/>
-              <a:t>8/24/2019</a:t>
+              <a:pPr/>
+              <a:t>9/20/2019</a:t>
             </a:fld>
             <a:endParaRPr lang="en-US" dirty="0"/>
           </a:p>
@@ -3323,7 +3377,7 @@
           <p:cNvPr id="5" name="Footer Placeholder 4">
             <a:extLst>
               <a:ext uri="{FF2B5EF4-FFF2-40B4-BE49-F238E27FC236}">
-                <a16:creationId xmlns:a16="http://schemas.microsoft.com/office/drawing/2014/main" id="{064974BD-9845-459A-9AAA-12731E2507C4}"/>
+                <a16:creationId xmlns:a16="http://schemas.microsoft.com/office/drawing/2014/main" xmlns="" id="{064974BD-9845-459A-9AAA-12731E2507C4}"/>
               </a:ext>
             </a:extLst>
           </p:cNvPr>
@@ -3348,7 +3402,7 @@
           <p:cNvPr id="6" name="Slide Number Placeholder 5">
             <a:extLst>
               <a:ext uri="{FF2B5EF4-FFF2-40B4-BE49-F238E27FC236}">
-                <a16:creationId xmlns:a16="http://schemas.microsoft.com/office/drawing/2014/main" id="{C2A71B0A-FDFB-4B2C-A9EC-2334C590013E}"/>
+                <a16:creationId xmlns:a16="http://schemas.microsoft.com/office/drawing/2014/main" xmlns="" id="{C2A71B0A-FDFB-4B2C-A9EC-2334C590013E}"/>
               </a:ext>
             </a:extLst>
           </p:cNvPr>
@@ -3366,7 +3420,8 @@
           <a:p>
             <a:fld id="{06FEDF93-2BFD-41CA-ABC7-B039102F3792}" type="slidenum">
               <a:rPr lang="en-US" smtClean="0"/>
-              <a:t>‹#›</a:t>
+              <a:pPr/>
+              <a:t>‹nº›</a:t>
             </a:fld>
             <a:endParaRPr lang="en-US" dirty="0"/>
           </a:p>
@@ -3375,7 +3430,7 @@
     </p:spTree>
     <p:extLst>
       <p:ext uri="{BB962C8B-B14F-4D97-AF65-F5344CB8AC3E}">
-        <p14:creationId xmlns:p14="http://schemas.microsoft.com/office/powerpoint/2010/main" val="3931409232"/>
+        <p14:creationId xmlns:p14="http://schemas.microsoft.com/office/powerpoint/2010/main" xmlns="" val="3931409232"/>
       </p:ext>
     </p:extLst>
   </p:cSld>
@@ -3407,7 +3462,7 @@
           <p:cNvPr id="2" name="Vertical Title 1">
             <a:extLst>
               <a:ext uri="{FF2B5EF4-FFF2-40B4-BE49-F238E27FC236}">
-                <a16:creationId xmlns:a16="http://schemas.microsoft.com/office/drawing/2014/main" id="{E60B5D73-1652-4A8E-B5A3-101523D7290A}"/>
+                <a16:creationId xmlns:a16="http://schemas.microsoft.com/office/drawing/2014/main" xmlns="" id="{E60B5D73-1652-4A8E-B5A3-101523D7290A}"/>
               </a:ext>
             </a:extLst>
           </p:cNvPr>
@@ -3441,7 +3496,7 @@
           <p:cNvPr id="3" name="Vertical Text Placeholder 2">
             <a:extLst>
               <a:ext uri="{FF2B5EF4-FFF2-40B4-BE49-F238E27FC236}">
-                <a16:creationId xmlns:a16="http://schemas.microsoft.com/office/drawing/2014/main" id="{A9B7FB99-7425-444D-B602-01B672BCE8C6}"/>
+                <a16:creationId xmlns:a16="http://schemas.microsoft.com/office/drawing/2014/main" xmlns="" id="{A9B7FB99-7425-444D-B602-01B672BCE8C6}"/>
               </a:ext>
             </a:extLst>
           </p:cNvPr>
@@ -3504,7 +3559,7 @@
           <p:cNvPr id="4" name="Date Placeholder 3">
             <a:extLst>
               <a:ext uri="{FF2B5EF4-FFF2-40B4-BE49-F238E27FC236}">
-                <a16:creationId xmlns:a16="http://schemas.microsoft.com/office/drawing/2014/main" id="{00EEA9C5-552A-48A1-AB54-ED54209B3B48}"/>
+                <a16:creationId xmlns:a16="http://schemas.microsoft.com/office/drawing/2014/main" xmlns="" id="{00EEA9C5-552A-48A1-AB54-ED54209B3B48}"/>
               </a:ext>
             </a:extLst>
           </p:cNvPr>
@@ -3522,7 +3577,8 @@
           <a:p>
             <a:fld id="{40DA1498-92C7-4E4B-8045-C9195F453964}" type="datetimeFigureOut">
               <a:rPr lang="en-US" smtClean="0"/>
-              <a:t>8/24/2019</a:t>
+              <a:pPr/>
+              <a:t>9/20/2019</a:t>
             </a:fld>
             <a:endParaRPr lang="en-US" dirty="0"/>
           </a:p>
@@ -3533,7 +3589,7 @@
           <p:cNvPr id="5" name="Footer Placeholder 4">
             <a:extLst>
               <a:ext uri="{FF2B5EF4-FFF2-40B4-BE49-F238E27FC236}">
-                <a16:creationId xmlns:a16="http://schemas.microsoft.com/office/drawing/2014/main" id="{1A83AAA3-4155-48FB-8F00-16DBE0C9C256}"/>
+                <a16:creationId xmlns:a16="http://schemas.microsoft.com/office/drawing/2014/main" xmlns="" id="{1A83AAA3-4155-48FB-8F00-16DBE0C9C256}"/>
               </a:ext>
             </a:extLst>
           </p:cNvPr>
@@ -3558,7 +3614,7 @@
           <p:cNvPr id="6" name="Slide Number Placeholder 5">
             <a:extLst>
               <a:ext uri="{FF2B5EF4-FFF2-40B4-BE49-F238E27FC236}">
-                <a16:creationId xmlns:a16="http://schemas.microsoft.com/office/drawing/2014/main" id="{5D694EAE-CB3C-4DEF-A66D-583C7AAC92D8}"/>
+                <a16:creationId xmlns:a16="http://schemas.microsoft.com/office/drawing/2014/main" xmlns="" id="{5D694EAE-CB3C-4DEF-A66D-583C7AAC92D8}"/>
               </a:ext>
             </a:extLst>
           </p:cNvPr>
@@ -3576,7 +3632,8 @@
           <a:p>
             <a:fld id="{06FEDF93-2BFD-41CA-ABC7-B039102F3792}" type="slidenum">
               <a:rPr lang="en-US" smtClean="0"/>
-              <a:t>‹#›</a:t>
+              <a:pPr/>
+              <a:t>‹nº›</a:t>
             </a:fld>
             <a:endParaRPr lang="en-US" dirty="0"/>
           </a:p>
@@ -3585,7 +3642,7 @@
     </p:spTree>
     <p:extLst>
       <p:ext uri="{BB962C8B-B14F-4D97-AF65-F5344CB8AC3E}">
-        <p14:creationId xmlns:p14="http://schemas.microsoft.com/office/powerpoint/2010/main" val="1746804267"/>
+        <p14:creationId xmlns:p14="http://schemas.microsoft.com/office/powerpoint/2010/main" xmlns="" val="1746804267"/>
       </p:ext>
     </p:extLst>
   </p:cSld>
@@ -3617,7 +3674,7 @@
           <p:cNvPr id="2" name="Title 1">
             <a:extLst>
               <a:ext uri="{FF2B5EF4-FFF2-40B4-BE49-F238E27FC236}">
-                <a16:creationId xmlns:a16="http://schemas.microsoft.com/office/drawing/2014/main" id="{4C807FBE-061D-452C-A8A6-213063CFD678}"/>
+                <a16:creationId xmlns:a16="http://schemas.microsoft.com/office/drawing/2014/main" xmlns="" id="{4C807FBE-061D-452C-A8A6-213063CFD678}"/>
               </a:ext>
             </a:extLst>
           </p:cNvPr>
@@ -3646,7 +3703,7 @@
           <p:cNvPr id="3" name="Content Placeholder 2">
             <a:extLst>
               <a:ext uri="{FF2B5EF4-FFF2-40B4-BE49-F238E27FC236}">
-                <a16:creationId xmlns:a16="http://schemas.microsoft.com/office/drawing/2014/main" id="{433A3535-1708-499D-B5D2-7D8F9FD182D0}"/>
+                <a16:creationId xmlns:a16="http://schemas.microsoft.com/office/drawing/2014/main" xmlns="" id="{433A3535-1708-499D-B5D2-7D8F9FD182D0}"/>
               </a:ext>
             </a:extLst>
           </p:cNvPr>
@@ -3704,7 +3761,7 @@
           <p:cNvPr id="4" name="Date Placeholder 3">
             <a:extLst>
               <a:ext uri="{FF2B5EF4-FFF2-40B4-BE49-F238E27FC236}">
-                <a16:creationId xmlns:a16="http://schemas.microsoft.com/office/drawing/2014/main" id="{ACB06063-A112-49AB-80C8-504D99ECD771}"/>
+                <a16:creationId xmlns:a16="http://schemas.microsoft.com/office/drawing/2014/main" xmlns="" id="{ACB06063-A112-49AB-80C8-504D99ECD771}"/>
               </a:ext>
             </a:extLst>
           </p:cNvPr>
@@ -3722,7 +3779,8 @@
           <a:p>
             <a:fld id="{40DA1498-92C7-4E4B-8045-C9195F453964}" type="datetimeFigureOut">
               <a:rPr lang="en-US" smtClean="0"/>
-              <a:t>8/24/2019</a:t>
+              <a:pPr/>
+              <a:t>9/20/2019</a:t>
             </a:fld>
             <a:endParaRPr lang="en-US" dirty="0"/>
           </a:p>
@@ -3733,7 +3791,7 @@
           <p:cNvPr id="5" name="Footer Placeholder 4">
             <a:extLst>
               <a:ext uri="{FF2B5EF4-FFF2-40B4-BE49-F238E27FC236}">
-                <a16:creationId xmlns:a16="http://schemas.microsoft.com/office/drawing/2014/main" id="{6344C8D5-F898-4318-A76D-1FBD87329198}"/>
+                <a16:creationId xmlns:a16="http://schemas.microsoft.com/office/drawing/2014/main" xmlns="" id="{6344C8D5-F898-4318-A76D-1FBD87329198}"/>
               </a:ext>
             </a:extLst>
           </p:cNvPr>
@@ -3758,7 +3816,7 @@
           <p:cNvPr id="6" name="Slide Number Placeholder 5">
             <a:extLst>
               <a:ext uri="{FF2B5EF4-FFF2-40B4-BE49-F238E27FC236}">
-                <a16:creationId xmlns:a16="http://schemas.microsoft.com/office/drawing/2014/main" id="{2976EC76-E8E8-4FFA-B671-7FA2F3EF5DEF}"/>
+                <a16:creationId xmlns:a16="http://schemas.microsoft.com/office/drawing/2014/main" xmlns="" id="{2976EC76-E8E8-4FFA-B671-7FA2F3EF5DEF}"/>
               </a:ext>
             </a:extLst>
           </p:cNvPr>
@@ -3776,7 +3834,8 @@
           <a:p>
             <a:fld id="{06FEDF93-2BFD-41CA-ABC7-B039102F3792}" type="slidenum">
               <a:rPr lang="en-US" smtClean="0"/>
-              <a:t>‹#›</a:t>
+              <a:pPr/>
+              <a:t>‹nº›</a:t>
             </a:fld>
             <a:endParaRPr lang="en-US" dirty="0"/>
           </a:p>
@@ -3785,7 +3844,7 @@
     </p:spTree>
     <p:extLst>
       <p:ext uri="{BB962C8B-B14F-4D97-AF65-F5344CB8AC3E}">
-        <p14:creationId xmlns:p14="http://schemas.microsoft.com/office/powerpoint/2010/main" val="2789287297"/>
+        <p14:creationId xmlns:p14="http://schemas.microsoft.com/office/powerpoint/2010/main" xmlns="" val="2789287297"/>
       </p:ext>
     </p:extLst>
   </p:cSld>
@@ -3817,7 +3876,7 @@
           <p:cNvPr id="2" name="Title 1">
             <a:extLst>
               <a:ext uri="{FF2B5EF4-FFF2-40B4-BE49-F238E27FC236}">
-                <a16:creationId xmlns:a16="http://schemas.microsoft.com/office/drawing/2014/main" id="{B6C2CABF-E3C1-431A-A69C-D4881CC43F0F}"/>
+                <a16:creationId xmlns:a16="http://schemas.microsoft.com/office/drawing/2014/main" xmlns="" id="{B6C2CABF-E3C1-431A-A69C-D4881CC43F0F}"/>
               </a:ext>
             </a:extLst>
           </p:cNvPr>
@@ -3855,7 +3914,7 @@
           <p:cNvPr id="3" name="Text Placeholder 2">
             <a:extLst>
               <a:ext uri="{FF2B5EF4-FFF2-40B4-BE49-F238E27FC236}">
-                <a16:creationId xmlns:a16="http://schemas.microsoft.com/office/drawing/2014/main" id="{D5584226-69DA-4211-B2C8-C29FD05A4A69}"/>
+                <a16:creationId xmlns:a16="http://schemas.microsoft.com/office/drawing/2014/main" xmlns="" id="{D5584226-69DA-4211-B2C8-C29FD05A4A69}"/>
               </a:ext>
             </a:extLst>
           </p:cNvPr>
@@ -3980,7 +4039,7 @@
           <p:cNvPr id="4" name="Date Placeholder 3">
             <a:extLst>
               <a:ext uri="{FF2B5EF4-FFF2-40B4-BE49-F238E27FC236}">
-                <a16:creationId xmlns:a16="http://schemas.microsoft.com/office/drawing/2014/main" id="{D5FF82DB-B518-40FD-8A66-44B874C055FB}"/>
+                <a16:creationId xmlns:a16="http://schemas.microsoft.com/office/drawing/2014/main" xmlns="" id="{D5FF82DB-B518-40FD-8A66-44B874C055FB}"/>
               </a:ext>
             </a:extLst>
           </p:cNvPr>
@@ -3998,7 +4057,8 @@
           <a:p>
             <a:fld id="{40DA1498-92C7-4E4B-8045-C9195F453964}" type="datetimeFigureOut">
               <a:rPr lang="en-US" smtClean="0"/>
-              <a:t>8/24/2019</a:t>
+              <a:pPr/>
+              <a:t>9/20/2019</a:t>
             </a:fld>
             <a:endParaRPr lang="en-US" dirty="0"/>
           </a:p>
@@ -4009,7 +4069,7 @@
           <p:cNvPr id="5" name="Footer Placeholder 4">
             <a:extLst>
               <a:ext uri="{FF2B5EF4-FFF2-40B4-BE49-F238E27FC236}">
-                <a16:creationId xmlns:a16="http://schemas.microsoft.com/office/drawing/2014/main" id="{FCC1CCEE-725F-4745-837B-87EFB70E71D8}"/>
+                <a16:creationId xmlns:a16="http://schemas.microsoft.com/office/drawing/2014/main" xmlns="" id="{FCC1CCEE-725F-4745-837B-87EFB70E71D8}"/>
               </a:ext>
             </a:extLst>
           </p:cNvPr>
@@ -4034,7 +4094,7 @@
           <p:cNvPr id="6" name="Slide Number Placeholder 5">
             <a:extLst>
               <a:ext uri="{FF2B5EF4-FFF2-40B4-BE49-F238E27FC236}">
-                <a16:creationId xmlns:a16="http://schemas.microsoft.com/office/drawing/2014/main" id="{C561522A-E0E6-406B-BF30-A7C7A57294BE}"/>
+                <a16:creationId xmlns:a16="http://schemas.microsoft.com/office/drawing/2014/main" xmlns="" id="{C561522A-E0E6-406B-BF30-A7C7A57294BE}"/>
               </a:ext>
             </a:extLst>
           </p:cNvPr>
@@ -4052,7 +4112,8 @@
           <a:p>
             <a:fld id="{06FEDF93-2BFD-41CA-ABC7-B039102F3792}" type="slidenum">
               <a:rPr lang="en-US" smtClean="0"/>
-              <a:t>‹#›</a:t>
+              <a:pPr/>
+              <a:t>‹nº›</a:t>
             </a:fld>
             <a:endParaRPr lang="en-US" dirty="0"/>
           </a:p>
@@ -4061,7 +4122,7 @@
     </p:spTree>
     <p:extLst>
       <p:ext uri="{BB962C8B-B14F-4D97-AF65-F5344CB8AC3E}">
-        <p14:creationId xmlns:p14="http://schemas.microsoft.com/office/powerpoint/2010/main" val="1230041735"/>
+        <p14:creationId xmlns:p14="http://schemas.microsoft.com/office/powerpoint/2010/main" xmlns="" val="1230041735"/>
       </p:ext>
     </p:extLst>
   </p:cSld>
@@ -4093,7 +4154,7 @@
           <p:cNvPr id="2" name="Title 1">
             <a:extLst>
               <a:ext uri="{FF2B5EF4-FFF2-40B4-BE49-F238E27FC236}">
-                <a16:creationId xmlns:a16="http://schemas.microsoft.com/office/drawing/2014/main" id="{DBCC9BDC-6F21-4EF5-A8DD-E35E27EACA58}"/>
+                <a16:creationId xmlns:a16="http://schemas.microsoft.com/office/drawing/2014/main" xmlns="" id="{DBCC9BDC-6F21-4EF5-A8DD-E35E27EACA58}"/>
               </a:ext>
             </a:extLst>
           </p:cNvPr>
@@ -4122,7 +4183,7 @@
           <p:cNvPr id="3" name="Content Placeholder 2">
             <a:extLst>
               <a:ext uri="{FF2B5EF4-FFF2-40B4-BE49-F238E27FC236}">
-                <a16:creationId xmlns:a16="http://schemas.microsoft.com/office/drawing/2014/main" id="{6B968D5F-2AB6-42D3-A54E-AB3E60325170}"/>
+                <a16:creationId xmlns:a16="http://schemas.microsoft.com/office/drawing/2014/main" xmlns="" id="{6B968D5F-2AB6-42D3-A54E-AB3E60325170}"/>
               </a:ext>
             </a:extLst>
           </p:cNvPr>
@@ -4185,7 +4246,7 @@
           <p:cNvPr id="4" name="Content Placeholder 3">
             <a:extLst>
               <a:ext uri="{FF2B5EF4-FFF2-40B4-BE49-F238E27FC236}">
-                <a16:creationId xmlns:a16="http://schemas.microsoft.com/office/drawing/2014/main" id="{465AB07F-D5F7-402A-AE4E-027BF1CA9127}"/>
+                <a16:creationId xmlns:a16="http://schemas.microsoft.com/office/drawing/2014/main" xmlns="" id="{465AB07F-D5F7-402A-AE4E-027BF1CA9127}"/>
               </a:ext>
             </a:extLst>
           </p:cNvPr>
@@ -4248,7 +4309,7 @@
           <p:cNvPr id="5" name="Date Placeholder 4">
             <a:extLst>
               <a:ext uri="{FF2B5EF4-FFF2-40B4-BE49-F238E27FC236}">
-                <a16:creationId xmlns:a16="http://schemas.microsoft.com/office/drawing/2014/main" id="{85108EDC-3863-43B9-93C7-37465DC73B28}"/>
+                <a16:creationId xmlns:a16="http://schemas.microsoft.com/office/drawing/2014/main" xmlns="" id="{85108EDC-3863-43B9-93C7-37465DC73B28}"/>
               </a:ext>
             </a:extLst>
           </p:cNvPr>
@@ -4266,7 +4327,8 @@
           <a:p>
             <a:fld id="{40DA1498-92C7-4E4B-8045-C9195F453964}" type="datetimeFigureOut">
               <a:rPr lang="en-US" smtClean="0"/>
-              <a:t>8/24/2019</a:t>
+              <a:pPr/>
+              <a:t>9/20/2019</a:t>
             </a:fld>
             <a:endParaRPr lang="en-US" dirty="0"/>
           </a:p>
@@ -4277,7 +4339,7 @@
           <p:cNvPr id="6" name="Footer Placeholder 5">
             <a:extLst>
               <a:ext uri="{FF2B5EF4-FFF2-40B4-BE49-F238E27FC236}">
-                <a16:creationId xmlns:a16="http://schemas.microsoft.com/office/drawing/2014/main" id="{A777D452-958D-4159-A9A4-16DD29680A04}"/>
+                <a16:creationId xmlns:a16="http://schemas.microsoft.com/office/drawing/2014/main" xmlns="" id="{A777D452-958D-4159-A9A4-16DD29680A04}"/>
               </a:ext>
             </a:extLst>
           </p:cNvPr>
@@ -4302,7 +4364,7 @@
           <p:cNvPr id="7" name="Slide Number Placeholder 6">
             <a:extLst>
               <a:ext uri="{FF2B5EF4-FFF2-40B4-BE49-F238E27FC236}">
-                <a16:creationId xmlns:a16="http://schemas.microsoft.com/office/drawing/2014/main" id="{289654B6-1460-48B9-AC7E-592F68BAB276}"/>
+                <a16:creationId xmlns:a16="http://schemas.microsoft.com/office/drawing/2014/main" xmlns="" id="{289654B6-1460-48B9-AC7E-592F68BAB276}"/>
               </a:ext>
             </a:extLst>
           </p:cNvPr>
@@ -4320,7 +4382,8 @@
           <a:p>
             <a:fld id="{06FEDF93-2BFD-41CA-ABC7-B039102F3792}" type="slidenum">
               <a:rPr lang="en-US" smtClean="0"/>
-              <a:t>‹#›</a:t>
+              <a:pPr/>
+              <a:t>‹nº›</a:t>
             </a:fld>
             <a:endParaRPr lang="en-US" dirty="0"/>
           </a:p>
@@ -4329,7 +4392,7 @@
     </p:spTree>
     <p:extLst>
       <p:ext uri="{BB962C8B-B14F-4D97-AF65-F5344CB8AC3E}">
-        <p14:creationId xmlns:p14="http://schemas.microsoft.com/office/powerpoint/2010/main" val="397404131"/>
+        <p14:creationId xmlns:p14="http://schemas.microsoft.com/office/powerpoint/2010/main" xmlns="" val="397404131"/>
       </p:ext>
     </p:extLst>
   </p:cSld>
@@ -4361,7 +4424,7 @@
           <p:cNvPr id="2" name="Title 1">
             <a:extLst>
               <a:ext uri="{FF2B5EF4-FFF2-40B4-BE49-F238E27FC236}">
-                <a16:creationId xmlns:a16="http://schemas.microsoft.com/office/drawing/2014/main" id="{7EE8C848-926A-4FD3-A311-A100A2662BE1}"/>
+                <a16:creationId xmlns:a16="http://schemas.microsoft.com/office/drawing/2014/main" xmlns="" id="{7EE8C848-926A-4FD3-A311-A100A2662BE1}"/>
               </a:ext>
             </a:extLst>
           </p:cNvPr>
@@ -4395,7 +4458,7 @@
           <p:cNvPr id="3" name="Text Placeholder 2">
             <a:extLst>
               <a:ext uri="{FF2B5EF4-FFF2-40B4-BE49-F238E27FC236}">
-                <a16:creationId xmlns:a16="http://schemas.microsoft.com/office/drawing/2014/main" id="{3C8ECD90-B4F0-4DFB-BB3D-F2310207896F}"/>
+                <a16:creationId xmlns:a16="http://schemas.microsoft.com/office/drawing/2014/main" xmlns="" id="{3C8ECD90-B4F0-4DFB-BB3D-F2310207896F}"/>
               </a:ext>
             </a:extLst>
           </p:cNvPr>
@@ -4466,7 +4529,7 @@
           <p:cNvPr id="4" name="Content Placeholder 3">
             <a:extLst>
               <a:ext uri="{FF2B5EF4-FFF2-40B4-BE49-F238E27FC236}">
-                <a16:creationId xmlns:a16="http://schemas.microsoft.com/office/drawing/2014/main" id="{335A6C3A-033E-474B-AB97-D8291A04E7DD}"/>
+                <a16:creationId xmlns:a16="http://schemas.microsoft.com/office/drawing/2014/main" xmlns="" id="{335A6C3A-033E-474B-AB97-D8291A04E7DD}"/>
               </a:ext>
             </a:extLst>
           </p:cNvPr>
@@ -4529,7 +4592,7 @@
           <p:cNvPr id="5" name="Text Placeholder 4">
             <a:extLst>
               <a:ext uri="{FF2B5EF4-FFF2-40B4-BE49-F238E27FC236}">
-                <a16:creationId xmlns:a16="http://schemas.microsoft.com/office/drawing/2014/main" id="{A532B928-3A23-4FCA-AD1F-E45A467B54F5}"/>
+                <a16:creationId xmlns:a16="http://schemas.microsoft.com/office/drawing/2014/main" xmlns="" id="{A532B928-3A23-4FCA-AD1F-E45A467B54F5}"/>
               </a:ext>
             </a:extLst>
           </p:cNvPr>
@@ -4600,7 +4663,7 @@
           <p:cNvPr id="6" name="Content Placeholder 5">
             <a:extLst>
               <a:ext uri="{FF2B5EF4-FFF2-40B4-BE49-F238E27FC236}">
-                <a16:creationId xmlns:a16="http://schemas.microsoft.com/office/drawing/2014/main" id="{3BDC8376-6FC6-4A11-B0DB-9A148E9C00E2}"/>
+                <a16:creationId xmlns:a16="http://schemas.microsoft.com/office/drawing/2014/main" xmlns="" id="{3BDC8376-6FC6-4A11-B0DB-9A148E9C00E2}"/>
               </a:ext>
             </a:extLst>
           </p:cNvPr>
@@ -4663,7 +4726,7 @@
           <p:cNvPr id="7" name="Date Placeholder 6">
             <a:extLst>
               <a:ext uri="{FF2B5EF4-FFF2-40B4-BE49-F238E27FC236}">
-                <a16:creationId xmlns:a16="http://schemas.microsoft.com/office/drawing/2014/main" id="{6E80206F-8846-425C-A56E-16FFBA442014}"/>
+                <a16:creationId xmlns:a16="http://schemas.microsoft.com/office/drawing/2014/main" xmlns="" id="{6E80206F-8846-425C-A56E-16FFBA442014}"/>
               </a:ext>
             </a:extLst>
           </p:cNvPr>
@@ -4681,7 +4744,8 @@
           <a:p>
             <a:fld id="{40DA1498-92C7-4E4B-8045-C9195F453964}" type="datetimeFigureOut">
               <a:rPr lang="en-US" smtClean="0"/>
-              <a:t>8/24/2019</a:t>
+              <a:pPr/>
+              <a:t>9/20/2019</a:t>
             </a:fld>
             <a:endParaRPr lang="en-US" dirty="0"/>
           </a:p>
@@ -4692,7 +4756,7 @@
           <p:cNvPr id="8" name="Footer Placeholder 7">
             <a:extLst>
               <a:ext uri="{FF2B5EF4-FFF2-40B4-BE49-F238E27FC236}">
-                <a16:creationId xmlns:a16="http://schemas.microsoft.com/office/drawing/2014/main" id="{6A45E89F-12CF-4561-A5F2-1E05783A3063}"/>
+                <a16:creationId xmlns:a16="http://schemas.microsoft.com/office/drawing/2014/main" xmlns="" id="{6A45E89F-12CF-4561-A5F2-1E05783A3063}"/>
               </a:ext>
             </a:extLst>
           </p:cNvPr>
@@ -4717,7 +4781,7 @@
           <p:cNvPr id="9" name="Slide Number Placeholder 8">
             <a:extLst>
               <a:ext uri="{FF2B5EF4-FFF2-40B4-BE49-F238E27FC236}">
-                <a16:creationId xmlns:a16="http://schemas.microsoft.com/office/drawing/2014/main" id="{9EB4DFE4-927C-43B1-A061-5CB97FFB33BE}"/>
+                <a16:creationId xmlns:a16="http://schemas.microsoft.com/office/drawing/2014/main" xmlns="" id="{9EB4DFE4-927C-43B1-A061-5CB97FFB33BE}"/>
               </a:ext>
             </a:extLst>
           </p:cNvPr>
@@ -4735,7 +4799,8 @@
           <a:p>
             <a:fld id="{06FEDF93-2BFD-41CA-ABC7-B039102F3792}" type="slidenum">
               <a:rPr lang="en-US" smtClean="0"/>
-              <a:t>‹#›</a:t>
+              <a:pPr/>
+              <a:t>‹nº›</a:t>
             </a:fld>
             <a:endParaRPr lang="en-US" dirty="0"/>
           </a:p>
@@ -4744,7 +4809,7 @@
     </p:spTree>
     <p:extLst>
       <p:ext uri="{BB962C8B-B14F-4D97-AF65-F5344CB8AC3E}">
-        <p14:creationId xmlns:p14="http://schemas.microsoft.com/office/powerpoint/2010/main" val="469058296"/>
+        <p14:creationId xmlns:p14="http://schemas.microsoft.com/office/powerpoint/2010/main" xmlns="" val="469058296"/>
       </p:ext>
     </p:extLst>
   </p:cSld>
@@ -4776,7 +4841,7 @@
           <p:cNvPr id="2" name="Title 1">
             <a:extLst>
               <a:ext uri="{FF2B5EF4-FFF2-40B4-BE49-F238E27FC236}">
-                <a16:creationId xmlns:a16="http://schemas.microsoft.com/office/drawing/2014/main" id="{B560E367-8DA0-4655-BCBC-F4280D8642CD}"/>
+                <a16:creationId xmlns:a16="http://schemas.microsoft.com/office/drawing/2014/main" xmlns="" id="{B560E367-8DA0-4655-BCBC-F4280D8642CD}"/>
               </a:ext>
             </a:extLst>
           </p:cNvPr>
@@ -4805,7 +4870,7 @@
           <p:cNvPr id="3" name="Date Placeholder 2">
             <a:extLst>
               <a:ext uri="{FF2B5EF4-FFF2-40B4-BE49-F238E27FC236}">
-                <a16:creationId xmlns:a16="http://schemas.microsoft.com/office/drawing/2014/main" id="{2FEF9592-AA3C-4CF8-A5DB-4D010195A438}"/>
+                <a16:creationId xmlns:a16="http://schemas.microsoft.com/office/drawing/2014/main" xmlns="" id="{2FEF9592-AA3C-4CF8-A5DB-4D010195A438}"/>
               </a:ext>
             </a:extLst>
           </p:cNvPr>
@@ -4823,7 +4888,8 @@
           <a:p>
             <a:fld id="{40DA1498-92C7-4E4B-8045-C9195F453964}" type="datetimeFigureOut">
               <a:rPr lang="en-US" smtClean="0"/>
-              <a:t>8/24/2019</a:t>
+              <a:pPr/>
+              <a:t>9/20/2019</a:t>
             </a:fld>
             <a:endParaRPr lang="en-US" dirty="0"/>
           </a:p>
@@ -4834,7 +4900,7 @@
           <p:cNvPr id="4" name="Footer Placeholder 3">
             <a:extLst>
               <a:ext uri="{FF2B5EF4-FFF2-40B4-BE49-F238E27FC236}">
-                <a16:creationId xmlns:a16="http://schemas.microsoft.com/office/drawing/2014/main" id="{3C2C9377-F93E-4515-852A-264707755154}"/>
+                <a16:creationId xmlns:a16="http://schemas.microsoft.com/office/drawing/2014/main" xmlns="" id="{3C2C9377-F93E-4515-852A-264707755154}"/>
               </a:ext>
             </a:extLst>
           </p:cNvPr>
@@ -4859,7 +4925,7 @@
           <p:cNvPr id="5" name="Slide Number Placeholder 4">
             <a:extLst>
               <a:ext uri="{FF2B5EF4-FFF2-40B4-BE49-F238E27FC236}">
-                <a16:creationId xmlns:a16="http://schemas.microsoft.com/office/drawing/2014/main" id="{9AED076D-476B-42BA-8795-14FE6C1E6974}"/>
+                <a16:creationId xmlns:a16="http://schemas.microsoft.com/office/drawing/2014/main" xmlns="" id="{9AED076D-476B-42BA-8795-14FE6C1E6974}"/>
               </a:ext>
             </a:extLst>
           </p:cNvPr>
@@ -4877,7 +4943,8 @@
           <a:p>
             <a:fld id="{06FEDF93-2BFD-41CA-ABC7-B039102F3792}" type="slidenum">
               <a:rPr lang="en-US" smtClean="0"/>
-              <a:t>‹#›</a:t>
+              <a:pPr/>
+              <a:t>‹nº›</a:t>
             </a:fld>
             <a:endParaRPr lang="en-US" dirty="0"/>
           </a:p>
@@ -4886,7 +4953,7 @@
     </p:spTree>
     <p:extLst>
       <p:ext uri="{BB962C8B-B14F-4D97-AF65-F5344CB8AC3E}">
-        <p14:creationId xmlns:p14="http://schemas.microsoft.com/office/powerpoint/2010/main" val="3625551197"/>
+        <p14:creationId xmlns:p14="http://schemas.microsoft.com/office/powerpoint/2010/main" xmlns="" val="3625551197"/>
       </p:ext>
     </p:extLst>
   </p:cSld>
@@ -4918,7 +4985,7 @@
           <p:cNvPr id="2" name="Date Placeholder 1">
             <a:extLst>
               <a:ext uri="{FF2B5EF4-FFF2-40B4-BE49-F238E27FC236}">
-                <a16:creationId xmlns:a16="http://schemas.microsoft.com/office/drawing/2014/main" id="{1EA599B4-6AB2-4190-82B5-7667EE1E922A}"/>
+                <a16:creationId xmlns:a16="http://schemas.microsoft.com/office/drawing/2014/main" xmlns="" id="{1EA599B4-6AB2-4190-82B5-7667EE1E922A}"/>
               </a:ext>
             </a:extLst>
           </p:cNvPr>
@@ -4936,7 +5003,8 @@
           <a:p>
             <a:fld id="{40DA1498-92C7-4E4B-8045-C9195F453964}" type="datetimeFigureOut">
               <a:rPr lang="en-US" smtClean="0"/>
-              <a:t>8/24/2019</a:t>
+              <a:pPr/>
+              <a:t>9/20/2019</a:t>
             </a:fld>
             <a:endParaRPr lang="en-US" dirty="0"/>
           </a:p>
@@ -4947,7 +5015,7 @@
           <p:cNvPr id="3" name="Footer Placeholder 2">
             <a:extLst>
               <a:ext uri="{FF2B5EF4-FFF2-40B4-BE49-F238E27FC236}">
-                <a16:creationId xmlns:a16="http://schemas.microsoft.com/office/drawing/2014/main" id="{1B8FBFB3-AD86-4E39-B8AE-B4EC14528156}"/>
+                <a16:creationId xmlns:a16="http://schemas.microsoft.com/office/drawing/2014/main" xmlns="" id="{1B8FBFB3-AD86-4E39-B8AE-B4EC14528156}"/>
               </a:ext>
             </a:extLst>
           </p:cNvPr>
@@ -4972,7 +5040,7 @@
           <p:cNvPr id="4" name="Slide Number Placeholder 3">
             <a:extLst>
               <a:ext uri="{FF2B5EF4-FFF2-40B4-BE49-F238E27FC236}">
-                <a16:creationId xmlns:a16="http://schemas.microsoft.com/office/drawing/2014/main" id="{B9A4AF55-C114-4B60-9A20-56B00A11B3BF}"/>
+                <a16:creationId xmlns:a16="http://schemas.microsoft.com/office/drawing/2014/main" xmlns="" id="{B9A4AF55-C114-4B60-9A20-56B00A11B3BF}"/>
               </a:ext>
             </a:extLst>
           </p:cNvPr>
@@ -4990,7 +5058,8 @@
           <a:p>
             <a:fld id="{06FEDF93-2BFD-41CA-ABC7-B039102F3792}" type="slidenum">
               <a:rPr lang="en-US" smtClean="0"/>
-              <a:t>‹#›</a:t>
+              <a:pPr/>
+              <a:t>‹nº›</a:t>
             </a:fld>
             <a:endParaRPr lang="en-US" dirty="0"/>
           </a:p>
@@ -4999,7 +5068,7 @@
     </p:spTree>
     <p:extLst>
       <p:ext uri="{BB962C8B-B14F-4D97-AF65-F5344CB8AC3E}">
-        <p14:creationId xmlns:p14="http://schemas.microsoft.com/office/powerpoint/2010/main" val="3058200294"/>
+        <p14:creationId xmlns:p14="http://schemas.microsoft.com/office/powerpoint/2010/main" xmlns="" val="3058200294"/>
       </p:ext>
     </p:extLst>
   </p:cSld>
@@ -5031,7 +5100,7 @@
           <p:cNvPr id="2" name="Title 1">
             <a:extLst>
               <a:ext uri="{FF2B5EF4-FFF2-40B4-BE49-F238E27FC236}">
-                <a16:creationId xmlns:a16="http://schemas.microsoft.com/office/drawing/2014/main" id="{70883DA1-5CB8-405D-9613-8A9B7BC5664C}"/>
+                <a16:creationId xmlns:a16="http://schemas.microsoft.com/office/drawing/2014/main" xmlns="" id="{70883DA1-5CB8-405D-9613-8A9B7BC5664C}"/>
               </a:ext>
             </a:extLst>
           </p:cNvPr>
@@ -5069,7 +5138,7 @@
           <p:cNvPr id="3" name="Content Placeholder 2">
             <a:extLst>
               <a:ext uri="{FF2B5EF4-FFF2-40B4-BE49-F238E27FC236}">
-                <a16:creationId xmlns:a16="http://schemas.microsoft.com/office/drawing/2014/main" id="{9842BB15-A24D-42E9-9CAE-BB827226301E}"/>
+                <a16:creationId xmlns:a16="http://schemas.microsoft.com/office/drawing/2014/main" xmlns="" id="{9842BB15-A24D-42E9-9CAE-BB827226301E}"/>
               </a:ext>
             </a:extLst>
           </p:cNvPr>
@@ -5160,7 +5229,7 @@
           <p:cNvPr id="4" name="Text Placeholder 3">
             <a:extLst>
               <a:ext uri="{FF2B5EF4-FFF2-40B4-BE49-F238E27FC236}">
-                <a16:creationId xmlns:a16="http://schemas.microsoft.com/office/drawing/2014/main" id="{78F0849D-D3C3-462A-9751-4EAB0B9145E4}"/>
+                <a16:creationId xmlns:a16="http://schemas.microsoft.com/office/drawing/2014/main" xmlns="" id="{78F0849D-D3C3-462A-9751-4EAB0B9145E4}"/>
               </a:ext>
             </a:extLst>
           </p:cNvPr>
@@ -5231,7 +5300,7 @@
           <p:cNvPr id="5" name="Date Placeholder 4">
             <a:extLst>
               <a:ext uri="{FF2B5EF4-FFF2-40B4-BE49-F238E27FC236}">
-                <a16:creationId xmlns:a16="http://schemas.microsoft.com/office/drawing/2014/main" id="{F180DD20-7A20-4574-98A4-427795876739}"/>
+                <a16:creationId xmlns:a16="http://schemas.microsoft.com/office/drawing/2014/main" xmlns="" id="{F180DD20-7A20-4574-98A4-427795876739}"/>
               </a:ext>
             </a:extLst>
           </p:cNvPr>
@@ -5249,7 +5318,8 @@
           <a:p>
             <a:fld id="{40DA1498-92C7-4E4B-8045-C9195F453964}" type="datetimeFigureOut">
               <a:rPr lang="en-US" smtClean="0"/>
-              <a:t>8/24/2019</a:t>
+              <a:pPr/>
+              <a:t>9/20/2019</a:t>
             </a:fld>
             <a:endParaRPr lang="en-US" dirty="0"/>
           </a:p>
@@ -5260,7 +5330,7 @@
           <p:cNvPr id="6" name="Footer Placeholder 5">
             <a:extLst>
               <a:ext uri="{FF2B5EF4-FFF2-40B4-BE49-F238E27FC236}">
-                <a16:creationId xmlns:a16="http://schemas.microsoft.com/office/drawing/2014/main" id="{54D0ED2B-71C4-421A-9DB0-676E00C10BDC}"/>
+                <a16:creationId xmlns:a16="http://schemas.microsoft.com/office/drawing/2014/main" xmlns="" id="{54D0ED2B-71C4-421A-9DB0-676E00C10BDC}"/>
               </a:ext>
             </a:extLst>
           </p:cNvPr>
@@ -5285,7 +5355,7 @@
           <p:cNvPr id="7" name="Slide Number Placeholder 6">
             <a:extLst>
               <a:ext uri="{FF2B5EF4-FFF2-40B4-BE49-F238E27FC236}">
-                <a16:creationId xmlns:a16="http://schemas.microsoft.com/office/drawing/2014/main" id="{78C4572A-ADFC-4C53-BCA2-42BDF693BC4D}"/>
+                <a16:creationId xmlns:a16="http://schemas.microsoft.com/office/drawing/2014/main" xmlns="" id="{78C4572A-ADFC-4C53-BCA2-42BDF693BC4D}"/>
               </a:ext>
             </a:extLst>
           </p:cNvPr>
@@ -5303,7 +5373,8 @@
           <a:p>
             <a:fld id="{06FEDF93-2BFD-41CA-ABC7-B039102F3792}" type="slidenum">
               <a:rPr lang="en-US" smtClean="0"/>
-              <a:t>‹#›</a:t>
+              <a:pPr/>
+              <a:t>‹nº›</a:t>
             </a:fld>
             <a:endParaRPr lang="en-US" dirty="0"/>
           </a:p>
@@ -5312,7 +5383,7 @@
     </p:spTree>
     <p:extLst>
       <p:ext uri="{BB962C8B-B14F-4D97-AF65-F5344CB8AC3E}">
-        <p14:creationId xmlns:p14="http://schemas.microsoft.com/office/powerpoint/2010/main" val="3230950964"/>
+        <p14:creationId xmlns:p14="http://schemas.microsoft.com/office/powerpoint/2010/main" xmlns="" val="3230950964"/>
       </p:ext>
     </p:extLst>
   </p:cSld>
@@ -5344,7 +5415,7 @@
           <p:cNvPr id="2" name="Title 1">
             <a:extLst>
               <a:ext uri="{FF2B5EF4-FFF2-40B4-BE49-F238E27FC236}">
-                <a16:creationId xmlns:a16="http://schemas.microsoft.com/office/drawing/2014/main" id="{028F5C67-EEEC-4AB0-9653-0F80D6B10941}"/>
+                <a16:creationId xmlns:a16="http://schemas.microsoft.com/office/drawing/2014/main" xmlns="" id="{028F5C67-EEEC-4AB0-9653-0F80D6B10941}"/>
               </a:ext>
             </a:extLst>
           </p:cNvPr>
@@ -5382,7 +5453,7 @@
           <p:cNvPr id="3" name="Picture Placeholder 2">
             <a:extLst>
               <a:ext uri="{FF2B5EF4-FFF2-40B4-BE49-F238E27FC236}">
-                <a16:creationId xmlns:a16="http://schemas.microsoft.com/office/drawing/2014/main" id="{1DD50D6D-5277-4324-AF23-5FAF007834EB}"/>
+                <a16:creationId xmlns:a16="http://schemas.microsoft.com/office/drawing/2014/main" xmlns="" id="{1DD50D6D-5277-4324-AF23-5FAF007834EB}"/>
               </a:ext>
             </a:extLst>
           </p:cNvPr>
@@ -5453,7 +5524,7 @@
           <p:cNvPr id="4" name="Text Placeholder 3">
             <a:extLst>
               <a:ext uri="{FF2B5EF4-FFF2-40B4-BE49-F238E27FC236}">
-                <a16:creationId xmlns:a16="http://schemas.microsoft.com/office/drawing/2014/main" id="{75275657-2BF9-4761-96B6-50EE3CFCFAD0}"/>
+                <a16:creationId xmlns:a16="http://schemas.microsoft.com/office/drawing/2014/main" xmlns="" id="{75275657-2BF9-4761-96B6-50EE3CFCFAD0}"/>
               </a:ext>
             </a:extLst>
           </p:cNvPr>
@@ -5524,7 +5595,7 @@
           <p:cNvPr id="5" name="Date Placeholder 4">
             <a:extLst>
               <a:ext uri="{FF2B5EF4-FFF2-40B4-BE49-F238E27FC236}">
-                <a16:creationId xmlns:a16="http://schemas.microsoft.com/office/drawing/2014/main" id="{5C3C3F7B-A4C8-4F9D-8165-BC5186EA0929}"/>
+                <a16:creationId xmlns:a16="http://schemas.microsoft.com/office/drawing/2014/main" xmlns="" id="{5C3C3F7B-A4C8-4F9D-8165-BC5186EA0929}"/>
               </a:ext>
             </a:extLst>
           </p:cNvPr>
@@ -5542,7 +5613,8 @@
           <a:p>
             <a:fld id="{40DA1498-92C7-4E4B-8045-C9195F453964}" type="datetimeFigureOut">
               <a:rPr lang="en-US" smtClean="0"/>
-              <a:t>8/24/2019</a:t>
+              <a:pPr/>
+              <a:t>9/20/2019</a:t>
             </a:fld>
             <a:endParaRPr lang="en-US" dirty="0"/>
           </a:p>
@@ -5553,7 +5625,7 @@
           <p:cNvPr id="6" name="Footer Placeholder 5">
             <a:extLst>
               <a:ext uri="{FF2B5EF4-FFF2-40B4-BE49-F238E27FC236}">
-                <a16:creationId xmlns:a16="http://schemas.microsoft.com/office/drawing/2014/main" id="{DE696EA5-2FA2-464D-982F-C53E6426A843}"/>
+                <a16:creationId xmlns:a16="http://schemas.microsoft.com/office/drawing/2014/main" xmlns="" id="{DE696EA5-2FA2-464D-982F-C53E6426A843}"/>
               </a:ext>
             </a:extLst>
           </p:cNvPr>
@@ -5578,7 +5650,7 @@
           <p:cNvPr id="7" name="Slide Number Placeholder 6">
             <a:extLst>
               <a:ext uri="{FF2B5EF4-FFF2-40B4-BE49-F238E27FC236}">
-                <a16:creationId xmlns:a16="http://schemas.microsoft.com/office/drawing/2014/main" id="{8911B398-191B-4AB1-86ED-00D0046EACF5}"/>
+                <a16:creationId xmlns:a16="http://schemas.microsoft.com/office/drawing/2014/main" xmlns="" id="{8911B398-191B-4AB1-86ED-00D0046EACF5}"/>
               </a:ext>
             </a:extLst>
           </p:cNvPr>
@@ -5596,7 +5668,8 @@
           <a:p>
             <a:fld id="{06FEDF93-2BFD-41CA-ABC7-B039102F3792}" type="slidenum">
               <a:rPr lang="en-US" smtClean="0"/>
-              <a:t>‹#›</a:t>
+              <a:pPr/>
+              <a:t>‹nº›</a:t>
             </a:fld>
             <a:endParaRPr lang="en-US" dirty="0"/>
           </a:p>
@@ -5605,7 +5678,7 @@
     </p:spTree>
     <p:extLst>
       <p:ext uri="{BB962C8B-B14F-4D97-AF65-F5344CB8AC3E}">
-        <p14:creationId xmlns:p14="http://schemas.microsoft.com/office/powerpoint/2010/main" val="1586601153"/>
+        <p14:creationId xmlns:p14="http://schemas.microsoft.com/office/powerpoint/2010/main" xmlns="" val="1586601153"/>
       </p:ext>
     </p:extLst>
   </p:cSld>
@@ -5642,7 +5715,7 @@
           <p:cNvPr id="2" name="Title Placeholder 1">
             <a:extLst>
               <a:ext uri="{FF2B5EF4-FFF2-40B4-BE49-F238E27FC236}">
-                <a16:creationId xmlns:a16="http://schemas.microsoft.com/office/drawing/2014/main" id="{7B3445CA-54C1-4DDE-A216-DD2414E3F593}"/>
+                <a16:creationId xmlns:a16="http://schemas.microsoft.com/office/drawing/2014/main" xmlns="" id="{7B3445CA-54C1-4DDE-A216-DD2414E3F593}"/>
               </a:ext>
             </a:extLst>
           </p:cNvPr>
@@ -5681,7 +5754,7 @@
           <p:cNvPr id="3" name="Text Placeholder 2">
             <a:extLst>
               <a:ext uri="{FF2B5EF4-FFF2-40B4-BE49-F238E27FC236}">
-                <a16:creationId xmlns:a16="http://schemas.microsoft.com/office/drawing/2014/main" id="{0306395A-6879-4E93-B24E-067F88AC1D69}"/>
+                <a16:creationId xmlns:a16="http://schemas.microsoft.com/office/drawing/2014/main" xmlns="" id="{0306395A-6879-4E93-B24E-067F88AC1D69}"/>
               </a:ext>
             </a:extLst>
           </p:cNvPr>
@@ -5749,7 +5822,7 @@
           <p:cNvPr id="4" name="Date Placeholder 3">
             <a:extLst>
               <a:ext uri="{FF2B5EF4-FFF2-40B4-BE49-F238E27FC236}">
-                <a16:creationId xmlns:a16="http://schemas.microsoft.com/office/drawing/2014/main" id="{9450FF5B-A6A6-4F0F-AA5D-3F0F69A43AEB}"/>
+                <a16:creationId xmlns:a16="http://schemas.microsoft.com/office/drawing/2014/main" xmlns="" id="{9450FF5B-A6A6-4F0F-AA5D-3F0F69A43AEB}"/>
               </a:ext>
             </a:extLst>
           </p:cNvPr>
@@ -5785,7 +5858,8 @@
           <a:p>
             <a:fld id="{40DA1498-92C7-4E4B-8045-C9195F453964}" type="datetimeFigureOut">
               <a:rPr lang="en-US" smtClean="0"/>
-              <a:t>8/24/2019</a:t>
+              <a:pPr/>
+              <a:t>9/20/2019</a:t>
             </a:fld>
             <a:endParaRPr lang="en-US" dirty="0"/>
           </a:p>
@@ -5796,7 +5870,7 @@
           <p:cNvPr id="5" name="Footer Placeholder 4">
             <a:extLst>
               <a:ext uri="{FF2B5EF4-FFF2-40B4-BE49-F238E27FC236}">
-                <a16:creationId xmlns:a16="http://schemas.microsoft.com/office/drawing/2014/main" id="{FA798FAA-76CC-42EF-8BE0-466A41BBAB09}"/>
+                <a16:creationId xmlns:a16="http://schemas.microsoft.com/office/drawing/2014/main" xmlns="" id="{FA798FAA-76CC-42EF-8BE0-466A41BBAB09}"/>
               </a:ext>
             </a:extLst>
           </p:cNvPr>
@@ -5839,7 +5913,7 @@
           <p:cNvPr id="6" name="Slide Number Placeholder 5">
             <a:extLst>
               <a:ext uri="{FF2B5EF4-FFF2-40B4-BE49-F238E27FC236}">
-                <a16:creationId xmlns:a16="http://schemas.microsoft.com/office/drawing/2014/main" id="{5149FF02-6890-4E10-B958-1097AD32C6FA}"/>
+                <a16:creationId xmlns:a16="http://schemas.microsoft.com/office/drawing/2014/main" xmlns="" id="{5149FF02-6890-4E10-B958-1097AD32C6FA}"/>
               </a:ext>
             </a:extLst>
           </p:cNvPr>
@@ -5875,7 +5949,8 @@
           <a:p>
             <a:fld id="{06FEDF93-2BFD-41CA-ABC7-B039102F3792}" type="slidenum">
               <a:rPr lang="en-US" smtClean="0"/>
-              <a:t>‹#›</a:t>
+              <a:pPr/>
+              <a:t>‹nº›</a:t>
             </a:fld>
             <a:endParaRPr lang="en-US" dirty="0"/>
           </a:p>
@@ -5884,7 +5959,7 @@
     </p:spTree>
     <p:extLst>
       <p:ext uri="{BB962C8B-B14F-4D97-AF65-F5344CB8AC3E}">
-        <p14:creationId xmlns:p14="http://schemas.microsoft.com/office/powerpoint/2010/main" val="2603789703"/>
+        <p14:creationId xmlns:p14="http://schemas.microsoft.com/office/powerpoint/2010/main" xmlns="" val="2603789703"/>
       </p:ext>
     </p:extLst>
   </p:cSld>
@@ -6224,7 +6299,7 @@
           <p:cNvPr id="2" name="Title 1">
             <a:extLst>
               <a:ext uri="{FF2B5EF4-FFF2-40B4-BE49-F238E27FC236}">
-                <a16:creationId xmlns:a16="http://schemas.microsoft.com/office/drawing/2014/main" id="{C4300AEF-1595-4419-801B-6E36A33BB8CF}"/>
+                <a16:creationId xmlns:a16="http://schemas.microsoft.com/office/drawing/2014/main" xmlns="" id="{C4300AEF-1595-4419-801B-6E36A33BB8CF}"/>
               </a:ext>
             </a:extLst>
           </p:cNvPr>
@@ -6291,7 +6366,7 @@
           <p:cNvPr id="11" name="Diamond 10">
             <a:extLst>
               <a:ext uri="{FF2B5EF4-FFF2-40B4-BE49-F238E27FC236}">
-                <a16:creationId xmlns:a16="http://schemas.microsoft.com/office/drawing/2014/main" id="{91498E2F-539C-46D3-AF7C-BB1DAE76B114}"/>
+                <a16:creationId xmlns:a16="http://schemas.microsoft.com/office/drawing/2014/main" xmlns="" id="{91498E2F-539C-46D3-AF7C-BB1DAE76B114}"/>
               </a:ext>
             </a:extLst>
           </p:cNvPr>
@@ -6343,7 +6418,7 @@
           <p:cNvPr id="12" name="Diamond 11">
             <a:extLst>
               <a:ext uri="{FF2B5EF4-FFF2-40B4-BE49-F238E27FC236}">
-                <a16:creationId xmlns:a16="http://schemas.microsoft.com/office/drawing/2014/main" id="{7DC8B409-5FAC-4539-B25A-26BE925A48AF}"/>
+                <a16:creationId xmlns:a16="http://schemas.microsoft.com/office/drawing/2014/main" xmlns="" id="{7DC8B409-5FAC-4539-B25A-26BE925A48AF}"/>
               </a:ext>
             </a:extLst>
           </p:cNvPr>
@@ -6395,7 +6470,7 @@
           <p:cNvPr id="13" name="Title 1">
             <a:extLst>
               <a:ext uri="{FF2B5EF4-FFF2-40B4-BE49-F238E27FC236}">
-                <a16:creationId xmlns:a16="http://schemas.microsoft.com/office/drawing/2014/main" id="{C4300AEF-1595-4419-801B-6E36A33BB8CF}"/>
+                <a16:creationId xmlns:a16="http://schemas.microsoft.com/office/drawing/2014/main" xmlns="" id="{C4300AEF-1595-4419-801B-6E36A33BB8CF}"/>
               </a:ext>
             </a:extLst>
           </p:cNvPr>
@@ -6460,7 +6535,7 @@
     </p:spTree>
     <p:extLst>
       <p:ext uri="{BB962C8B-B14F-4D97-AF65-F5344CB8AC3E}">
-        <p14:creationId xmlns:p14="http://schemas.microsoft.com/office/powerpoint/2010/main" val="2387849042"/>
+        <p14:creationId xmlns:p14="http://schemas.microsoft.com/office/powerpoint/2010/main" xmlns="" val="2387849042"/>
       </p:ext>
     </p:extLst>
   </p:cSld>
@@ -6859,7 +6934,7 @@
     </p:spTree>
     <p:extLst>
       <p:ext uri="{BB962C8B-B14F-4D97-AF65-F5344CB8AC3E}">
-        <p14:creationId xmlns:p14="http://schemas.microsoft.com/office/powerpoint/2010/main" val="3164327943"/>
+        <p14:creationId xmlns:p14="http://schemas.microsoft.com/office/powerpoint/2010/main" xmlns="" val="3164327943"/>
       </p:ext>
     </p:extLst>
   </p:cSld>
@@ -6952,7 +7027,7 @@
     </p:spTree>
     <p:extLst>
       <p:ext uri="{BB962C8B-B14F-4D97-AF65-F5344CB8AC3E}">
-        <p14:creationId xmlns:p14="http://schemas.microsoft.com/office/powerpoint/2010/main" val="1230535399"/>
+        <p14:creationId xmlns:p14="http://schemas.microsoft.com/office/powerpoint/2010/main" xmlns="" val="1230535399"/>
       </p:ext>
     </p:extLst>
   </p:cSld>
@@ -7297,7 +7372,7 @@
     </p:spTree>
     <p:extLst>
       <p:ext uri="{BB962C8B-B14F-4D97-AF65-F5344CB8AC3E}">
-        <p14:creationId xmlns:p14="http://schemas.microsoft.com/office/powerpoint/2010/main" val="1914394656"/>
+        <p14:creationId xmlns:p14="http://schemas.microsoft.com/office/powerpoint/2010/main" xmlns="" val="1914394656"/>
       </p:ext>
     </p:extLst>
   </p:cSld>
@@ -7390,7 +7465,7 @@
     </p:spTree>
     <p:extLst>
       <p:ext uri="{BB962C8B-B14F-4D97-AF65-F5344CB8AC3E}">
-        <p14:creationId xmlns:p14="http://schemas.microsoft.com/office/powerpoint/2010/main" val="146143993"/>
+        <p14:creationId xmlns:p14="http://schemas.microsoft.com/office/powerpoint/2010/main" xmlns="" val="146143993"/>
       </p:ext>
     </p:extLst>
   </p:cSld>
@@ -7820,7 +7895,7 @@
     </p:spTree>
     <p:extLst>
       <p:ext uri="{BB962C8B-B14F-4D97-AF65-F5344CB8AC3E}">
-        <p14:creationId xmlns:p14="http://schemas.microsoft.com/office/powerpoint/2010/main" val="1964632607"/>
+        <p14:creationId xmlns:p14="http://schemas.microsoft.com/office/powerpoint/2010/main" xmlns="" val="1964632607"/>
       </p:ext>
     </p:extLst>
   </p:cSld>
@@ -7876,10 +7951,10 @@
           <p:cNvPr id="11" name="Group 10">
             <a:extLst>
               <a:ext uri="{FF2B5EF4-FFF2-40B4-BE49-F238E27FC236}">
-                <a16:creationId xmlns:a16="http://schemas.microsoft.com/office/drawing/2014/main" id="{62A21665-C64F-4BDA-B2DE-442D70605718}"/>
+                <a16:creationId xmlns:a16="http://schemas.microsoft.com/office/drawing/2014/main" xmlns="" id="{62A21665-C64F-4BDA-B2DE-442D70605718}"/>
               </a:ext>
               <a:ext uri="{C183D7F6-B498-43B3-948B-1728B52AA6E4}">
-                <adec:decorative xmlns:adec="http://schemas.microsoft.com/office/drawing/2017/decorative" xmlns="" val="1"/>
+                <adec:decorative xmlns="" xmlns:adec="http://schemas.microsoft.com/office/drawing/2017/decorative" val="1"/>
               </a:ext>
             </a:extLst>
           </p:cNvPr>
@@ -7899,7 +7974,7 @@
             <p:cNvPr id="12" name="Diamond 11">
               <a:extLst>
                 <a:ext uri="{FF2B5EF4-FFF2-40B4-BE49-F238E27FC236}">
-                  <a16:creationId xmlns:a16="http://schemas.microsoft.com/office/drawing/2014/main" id="{7DC8B409-5FAC-4539-B25A-26BE925A48AF}"/>
+                  <a16:creationId xmlns:a16="http://schemas.microsoft.com/office/drawing/2014/main" xmlns="" id="{7DC8B409-5FAC-4539-B25A-26BE925A48AF}"/>
                 </a:ext>
               </a:extLst>
             </p:cNvPr>
@@ -7951,7 +8026,7 @@
             <p:cNvPr id="13" name="Diamond 12">
               <a:extLst>
                 <a:ext uri="{FF2B5EF4-FFF2-40B4-BE49-F238E27FC236}">
-                  <a16:creationId xmlns:a16="http://schemas.microsoft.com/office/drawing/2014/main" id="{91498E2F-539C-46D3-AF7C-BB1DAE76B114}"/>
+                  <a16:creationId xmlns:a16="http://schemas.microsoft.com/office/drawing/2014/main" xmlns="" id="{91498E2F-539C-46D3-AF7C-BB1DAE76B114}"/>
                 </a:ext>
               </a:extLst>
             </p:cNvPr>
@@ -8004,7 +8079,7 @@
           <p:cNvPr id="15" name="Title 1">
             <a:extLst>
               <a:ext uri="{FF2B5EF4-FFF2-40B4-BE49-F238E27FC236}">
-                <a16:creationId xmlns:a16="http://schemas.microsoft.com/office/drawing/2014/main" id="{FA061601-468D-486D-B8EE-42BD1BE3ADCC}"/>
+                <a16:creationId xmlns:a16="http://schemas.microsoft.com/office/drawing/2014/main" xmlns="" id="{FA061601-468D-486D-B8EE-42BD1BE3ADCC}"/>
               </a:ext>
             </a:extLst>
           </p:cNvPr>
@@ -8052,7 +8127,7 @@
           <p:cNvPr id="7" name="Title 1">
             <a:extLst>
               <a:ext uri="{FF2B5EF4-FFF2-40B4-BE49-F238E27FC236}">
-                <a16:creationId xmlns:a16="http://schemas.microsoft.com/office/drawing/2014/main" id="{C4300AEF-1595-4419-801B-6E36A33BB8CF}"/>
+                <a16:creationId xmlns:a16="http://schemas.microsoft.com/office/drawing/2014/main" xmlns="" id="{C4300AEF-1595-4419-801B-6E36A33BB8CF}"/>
               </a:ext>
             </a:extLst>
           </p:cNvPr>
@@ -8117,7 +8192,7 @@
     </p:spTree>
     <p:extLst>
       <p:ext uri="{BB962C8B-B14F-4D97-AF65-F5344CB8AC3E}">
-        <p14:creationId xmlns:p14="http://schemas.microsoft.com/office/powerpoint/2010/main" val="1923038163"/>
+        <p14:creationId xmlns:p14="http://schemas.microsoft.com/office/powerpoint/2010/main" xmlns="" val="1923038163"/>
       </p:ext>
     </p:extLst>
   </p:cSld>
@@ -8191,7 +8266,7 @@
     </p:spTree>
     <p:extLst>
       <p:ext uri="{BB962C8B-B14F-4D97-AF65-F5344CB8AC3E}">
-        <p14:creationId xmlns:p14="http://schemas.microsoft.com/office/powerpoint/2010/main" val="1892216109"/>
+        <p14:creationId xmlns:p14="http://schemas.microsoft.com/office/powerpoint/2010/main" xmlns="" val="1892216109"/>
       </p:ext>
     </p:extLst>
   </p:cSld>
@@ -8279,7 +8354,21 @@
                 <a:latin typeface="Calibri" panose="020F0502020204030204" pitchFamily="34" charset="0"/>
                 <a:cs typeface="Calibri" panose="020F0502020204030204" pitchFamily="34" charset="0"/>
               </a:rPr>
-              <a:t> na </a:t>
+              <a:t> </a:t>
+            </a:r>
+            <a:r>
+              <a:rPr lang="pt-PT" sz="8000" dirty="0" err="1" smtClean="0">
+                <a:latin typeface="Calibri" panose="020F0502020204030204" pitchFamily="34" charset="0"/>
+                <a:cs typeface="Calibri" panose="020F0502020204030204" pitchFamily="34" charset="0"/>
+              </a:rPr>
+              <a:t>an</a:t>
+            </a:r>
+            <a:r>
+              <a:rPr lang="pt-PT" sz="8000" dirty="0" smtClean="0">
+                <a:latin typeface="Calibri" panose="020F0502020204030204" pitchFamily="34" charset="0"/>
+                <a:cs typeface="Calibri" panose="020F0502020204030204" pitchFamily="34" charset="0"/>
+              </a:rPr>
+              <a:t> </a:t>
             </a:r>
             <a:r>
               <a:rPr lang="pt-PT" sz="8000" dirty="0" err="1" smtClean="0">
@@ -8305,7 +8394,7 @@
     </p:spTree>
     <p:extLst>
       <p:ext uri="{BB962C8B-B14F-4D97-AF65-F5344CB8AC3E}">
-        <p14:creationId xmlns:p14="http://schemas.microsoft.com/office/powerpoint/2010/main" val="3722922887"/>
+        <p14:creationId xmlns:p14="http://schemas.microsoft.com/office/powerpoint/2010/main" xmlns="" val="3722922887"/>
       </p:ext>
     </p:extLst>
   </p:cSld>
@@ -8440,7 +8529,7 @@
     </p:spTree>
     <p:extLst>
       <p:ext uri="{BB962C8B-B14F-4D97-AF65-F5344CB8AC3E}">
-        <p14:creationId xmlns:p14="http://schemas.microsoft.com/office/powerpoint/2010/main" val="3127835234"/>
+        <p14:creationId xmlns:p14="http://schemas.microsoft.com/office/powerpoint/2010/main" xmlns="" val="3127835234"/>
       </p:ext>
     </p:extLst>
   </p:cSld>
@@ -9037,7 +9126,7 @@
     </p:spTree>
     <p:extLst>
       <p:ext uri="{BB962C8B-B14F-4D97-AF65-F5344CB8AC3E}">
-        <p14:creationId xmlns:p14="http://schemas.microsoft.com/office/powerpoint/2010/main" val="1803474604"/>
+        <p14:creationId xmlns:p14="http://schemas.microsoft.com/office/powerpoint/2010/main" xmlns="" val="1803474604"/>
       </p:ext>
     </p:extLst>
   </p:cSld>
@@ -9137,7 +9226,7 @@
     </p:spTree>
     <p:extLst>
       <p:ext uri="{BB962C8B-B14F-4D97-AF65-F5344CB8AC3E}">
-        <p14:creationId xmlns:p14="http://schemas.microsoft.com/office/powerpoint/2010/main" val="1688147939"/>
+        <p14:creationId xmlns:p14="http://schemas.microsoft.com/office/powerpoint/2010/main" xmlns="" val="1688147939"/>
       </p:ext>
     </p:extLst>
   </p:cSld>
@@ -9230,7 +9319,7 @@
     </p:spTree>
     <p:extLst>
       <p:ext uri="{BB962C8B-B14F-4D97-AF65-F5344CB8AC3E}">
-        <p14:creationId xmlns:p14="http://schemas.microsoft.com/office/powerpoint/2010/main" val="562416972"/>
+        <p14:creationId xmlns:p14="http://schemas.microsoft.com/office/powerpoint/2010/main" xmlns="" val="562416972"/>
       </p:ext>
     </p:extLst>
   </p:cSld>
@@ -9588,7 +9677,7 @@
     </p:spTree>
     <p:extLst>
       <p:ext uri="{BB962C8B-B14F-4D97-AF65-F5344CB8AC3E}">
-        <p14:creationId xmlns:p14="http://schemas.microsoft.com/office/powerpoint/2010/main" val="4286842875"/>
+        <p14:creationId xmlns:p14="http://schemas.microsoft.com/office/powerpoint/2010/main" xmlns="" val="4286842875"/>
       </p:ext>
     </p:extLst>
   </p:cSld>
@@ -9681,7 +9770,7 @@
     </p:spTree>
     <p:extLst>
       <p:ext uri="{BB962C8B-B14F-4D97-AF65-F5344CB8AC3E}">
-        <p14:creationId xmlns:p14="http://schemas.microsoft.com/office/powerpoint/2010/main" val="1532510050"/>
+        <p14:creationId xmlns:p14="http://schemas.microsoft.com/office/powerpoint/2010/main" xmlns="" val="1532510050"/>
       </p:ext>
     </p:extLst>
   </p:cSld>
@@ -9893,7 +9982,7 @@
   <a:extraClrSchemeLst/>
   <a:extLst>
     <a:ext uri="{05A4C25C-085E-4340-85A3-A5531E510DB2}">
-      <thm15:themeFamily xmlns:thm15="http://schemas.microsoft.com/office/thememl/2012/main" name="TM78455520_Project analysis, from 24Slides_SL_V1.potx" id="{55E7247F-78B2-40DB-9AFE-D4DD42FA8F09}" vid="{22E2FD65-A32D-4798-AF43-CE42F250BDDF}"/>
+      <thm15:themeFamily xmlns:thm15="http://schemas.microsoft.com/office/thememl/2012/main" xmlns="" name="TM78455520_Project analysis, from 24Slides_SL_V1.potx" id="{55E7247F-78B2-40DB-9AFE-D4DD42FA8F09}" vid="{22E2FD65-A32D-4798-AF43-CE42F250BDDF}"/>
     </a:ext>
   </a:extLst>
 </a:theme>
@@ -9942,7 +10031,7 @@
     </a:clrScheme>
     <a:fontScheme name="Office">
       <a:majorFont>
-        <a:latin typeface="Calibri Light" panose="020F0302020204030204"/>
+        <a:latin typeface="Calibri Light"/>
         <a:ea typeface=""/>
         <a:cs typeface=""/>
         <a:font script="Jpan" typeface="游ゴシック Light"/>
@@ -9994,7 +10083,7 @@
         <a:font script="Tfng" typeface="Ebrima"/>
       </a:majorFont>
       <a:minorFont>
-        <a:latin typeface="Calibri" panose="020F0502020204030204"/>
+        <a:latin typeface="Calibri"/>
         <a:ea typeface=""/>
         <a:cs typeface=""/>
         <a:font script="Jpan" typeface="游ゴシック"/>
@@ -10188,7 +10277,7 @@
   <a:extraClrSchemeLst/>
   <a:extLst>
     <a:ext uri="{05A4C25C-085E-4340-85A3-A5531E510DB2}">
-      <thm15:themeFamily xmlns:thm15="http://schemas.microsoft.com/office/thememl/2012/main" name="Office Theme" id="{62F939B6-93AF-4DB8-9C6B-D6C7DFDC589F}" vid="{4A3C46E8-61CC-4603-A589-7422A47A8E4A}"/>
+      <thm15:themeFamily xmlns:thm15="http://schemas.microsoft.com/office/thememl/2012/main" xmlns="" name="Office Theme" id="{62F939B6-93AF-4DB8-9C6B-D6C7DFDC589F}" vid="{4A3C46E8-61CC-4603-A589-7422A47A8E4A}"/>
     </a:ext>
   </a:extLst>
 </a:theme>
@@ -10237,7 +10326,7 @@
     </a:clrScheme>
     <a:fontScheme name="Office">
       <a:majorFont>
-        <a:latin typeface="Calibri Light" panose="020F0302020204030204"/>
+        <a:latin typeface="Calibri Light"/>
         <a:ea typeface=""/>
         <a:cs typeface=""/>
         <a:font script="Jpan" typeface="游ゴシック Light"/>
@@ -10289,7 +10378,7 @@
         <a:font script="Tfng" typeface="Ebrima"/>
       </a:majorFont>
       <a:minorFont>
-        <a:latin typeface="Calibri" panose="020F0502020204030204"/>
+        <a:latin typeface="Calibri"/>
         <a:ea typeface=""/>
         <a:cs typeface=""/>
         <a:font script="Jpan" typeface="游ゴシック"/>
@@ -10483,19 +10572,18 @@
   <a:extraClrSchemeLst/>
   <a:extLst>
     <a:ext uri="{05A4C25C-085E-4340-85A3-A5531E510DB2}">
-      <thm15:themeFamily xmlns:thm15="http://schemas.microsoft.com/office/thememl/2012/main" name="Office Theme" id="{62F939B6-93AF-4DB8-9C6B-D6C7DFDC589F}" vid="{4A3C46E8-61CC-4603-A589-7422A47A8E4A}"/>
+      <thm15:themeFamily xmlns:thm15="http://schemas.microsoft.com/office/thememl/2012/main" xmlns="" name="Office Theme" id="{62F939B6-93AF-4DB8-9C6B-D6C7DFDC589F}" vid="{4A3C46E8-61CC-4603-A589-7422A47A8E4A}"/>
     </a:ext>
   </a:extLst>
 </a:theme>
 </file>
 
 <file path=customXml/item1.xml><?xml version="1.0" encoding="utf-8"?>
-<?mso-contentType ?>
-<FormTemplates xmlns="http://schemas.microsoft.com/sharepoint/v3/contenttype/forms">
-  <Display>DocumentLibraryForm</Display>
-  <Edit>DocumentLibraryForm</Edit>
-  <New>DocumentLibraryForm</New>
-</FormTemplates>
+<p:properties xmlns:p="http://schemas.microsoft.com/office/2006/metadata/properties" xmlns:xsi="http://www.w3.org/2001/XMLSchema-instance" xmlns:pc="http://schemas.microsoft.com/office/infopath/2007/PartnerControls">
+  <documentManagement>
+    <MediaServiceKeyPoints xmlns="71af3243-3dd4-4a8d-8c0d-dd76da1f02a5" xsi:nil="true"/>
+  </documentManagement>
+</p:properties>
 </file>
 
 <file path=customXml/item2.xml><?xml version="1.0" encoding="utf-8"?>
@@ -10710,17 +10798,27 @@
 </file>
 
 <file path=customXml/item3.xml><?xml version="1.0" encoding="utf-8"?>
-<p:properties xmlns:p="http://schemas.microsoft.com/office/2006/metadata/properties" xmlns:xsi="http://www.w3.org/2001/XMLSchema-instance" xmlns:pc="http://schemas.microsoft.com/office/infopath/2007/PartnerControls">
-  <documentManagement>
-    <MediaServiceKeyPoints xmlns="71af3243-3dd4-4a8d-8c0d-dd76da1f02a5" xsi:nil="true"/>
-  </documentManagement>
-</p:properties>
+<?mso-contentType ?>
+<FormTemplates xmlns="http://schemas.microsoft.com/sharepoint/v3/contenttype/forms">
+  <Display>DocumentLibraryForm</Display>
+  <Edit>DocumentLibraryForm</Edit>
+  <New>DocumentLibraryForm</New>
+</FormTemplates>
 </file>
 
 <file path=customXml/itemProps1.xml><?xml version="1.0" encoding="utf-8"?>
-<ds:datastoreItem xmlns:ds="http://schemas.openxmlformats.org/officeDocument/2006/customXml" ds:itemID="{2FD05317-60D6-4B3A-8545-888496D1A8EC}">
+<ds:datastoreItem xmlns:ds="http://schemas.openxmlformats.org/officeDocument/2006/customXml" ds:itemID="{EF609EDA-869E-4BE5-AE5D-B898C584B6FF}">
   <ds:schemaRefs>
-    <ds:schemaRef ds:uri="http://schemas.microsoft.com/sharepoint/v3/contenttype/forms"/>
+    <ds:schemaRef ds:uri="http://schemas.openxmlformats.org/package/2006/metadata/core-properties"/>
+    <ds:schemaRef ds:uri="71af3243-3dd4-4a8d-8c0d-dd76da1f02a5"/>
+    <ds:schemaRef ds:uri="http://schemas.microsoft.com/office/2006/documentManagement/types"/>
+    <ds:schemaRef ds:uri="http://purl.org/dc/elements/1.1/"/>
+    <ds:schemaRef ds:uri="http://schemas.microsoft.com/office/2006/metadata/properties"/>
+    <ds:schemaRef ds:uri="http://schemas.microsoft.com/office/infopath/2007/PartnerControls"/>
+    <ds:schemaRef ds:uri="http://www.w3.org/XML/1998/namespace"/>
+    <ds:schemaRef ds:uri="16c05727-aa75-4e4a-9b5f-8a80a1165891"/>
+    <ds:schemaRef ds:uri="http://purl.org/dc/dcmitype/"/>
+    <ds:schemaRef ds:uri="http://purl.org/dc/terms/"/>
   </ds:schemaRefs>
 </ds:datastoreItem>
 </file>
@@ -10745,18 +10843,9 @@
 </file>
 
 <file path=customXml/itemProps3.xml><?xml version="1.0" encoding="utf-8"?>
-<ds:datastoreItem xmlns:ds="http://schemas.openxmlformats.org/officeDocument/2006/customXml" ds:itemID="{EF609EDA-869E-4BE5-AE5D-B898C584B6FF}">
+<ds:datastoreItem xmlns:ds="http://schemas.openxmlformats.org/officeDocument/2006/customXml" ds:itemID="{2FD05317-60D6-4B3A-8545-888496D1A8EC}">
   <ds:schemaRefs>
-    <ds:schemaRef ds:uri="http://schemas.openxmlformats.org/package/2006/metadata/core-properties"/>
-    <ds:schemaRef ds:uri="71af3243-3dd4-4a8d-8c0d-dd76da1f02a5"/>
-    <ds:schemaRef ds:uri="http://schemas.microsoft.com/office/2006/documentManagement/types"/>
-    <ds:schemaRef ds:uri="http://purl.org/dc/elements/1.1/"/>
-    <ds:schemaRef ds:uri="http://schemas.microsoft.com/office/2006/metadata/properties"/>
-    <ds:schemaRef ds:uri="http://schemas.microsoft.com/office/infopath/2007/PartnerControls"/>
-    <ds:schemaRef ds:uri="http://www.w3.org/XML/1998/namespace"/>
-    <ds:schemaRef ds:uri="16c05727-aa75-4e4a-9b5f-8a80a1165891"/>
-    <ds:schemaRef ds:uri="http://purl.org/dc/dcmitype/"/>
-    <ds:schemaRef ds:uri="http://purl.org/dc/terms/"/>
+    <ds:schemaRef ds:uri="http://schemas.microsoft.com/sharepoint/v3/contenttype/forms"/>
   </ds:schemaRefs>
 </ds:datastoreItem>
 </file>